--- a/Template/Template_AIDay2023.pptx
+++ b/Template/Template_AIDay2023.pptx
@@ -237,7 +237,7 @@
           <a:p>
             <a:fld id="{41F5DDD7-29E8-4F85-A117-E0D0E07135BD}" type="datetimeFigureOut">
               <a:rPr lang="en-US" smtClean="0"/>
-              <a:t>11/4/23</a:t>
+              <a:t>11/5/23</a:t>
             </a:fld>
             <a:endParaRPr lang="en-US"/>
           </a:p>
@@ -403,7 +403,7 @@
           <a:p>
             <a:fld id="{2434B426-DD78-45C6-AC2B-6AECC245F0A6}" type="datetimeFigureOut">
               <a:rPr lang="en-US" smtClean="0"/>
-              <a:t>11/4/23</a:t>
+              <a:t>11/5/23</a:t>
             </a:fld>
             <a:endParaRPr lang="en-US"/>
           </a:p>
@@ -1700,7 +1700,7 @@
         </p:blipFill>
         <p:spPr>
           <a:xfrm>
-            <a:off x="1678022" y="5916290"/>
+            <a:off x="1545582" y="5858610"/>
             <a:ext cx="914400" cy="914400"/>
           </a:xfrm>
           <a:prstGeom prst="rect">
@@ -1782,10 +1782,10 @@
       </p:pic>
       <p:pic>
         <p:nvPicPr>
-          <p:cNvPr id="27" name="Immagine 26">
-            <a:extLst>
-              <a:ext uri="{FF2B5EF4-FFF2-40B4-BE49-F238E27FC236}">
-                <a16:creationId xmlns:a16="http://schemas.microsoft.com/office/drawing/2014/main" id="{6577CFA3-F3ED-4FDF-B6AC-485A34FE5072}"/>
+          <p:cNvPr id="29" name="Immagine 28">
+            <a:extLst>
+              <a:ext uri="{FF2B5EF4-FFF2-40B4-BE49-F238E27FC236}">
+                <a16:creationId xmlns:a16="http://schemas.microsoft.com/office/drawing/2014/main" id="{A161C690-1F00-4495-9A06-8558E31376E5}"/>
               </a:ext>
             </a:extLst>
           </p:cNvPr>
@@ -1795,7 +1795,7 @@
           <p:nvPr userDrawn="1"/>
         </p:nvPicPr>
         <p:blipFill>
-          <a:blip r:embed="rId6">
+          <a:blip r:embed="rId6" cstate="print">
             <a:extLst>
               <a:ext uri="{28A0092B-C50C-407E-A947-70E740481C1C}">
                 <a14:useLocalDpi xmlns:a14="http://schemas.microsoft.com/office/drawing/2010/main" val="0"/>
@@ -1808,8 +1808,8 @@
         </p:blipFill>
         <p:spPr>
           <a:xfrm>
-            <a:off x="826778" y="3722911"/>
-            <a:ext cx="2631442" cy="1315721"/>
+            <a:off x="481359" y="5092601"/>
+            <a:ext cx="1450620" cy="725310"/>
           </a:xfrm>
           <a:prstGeom prst="rect">
             <a:avLst/>
@@ -1818,10 +1818,10 @@
       </p:pic>
       <p:pic>
         <p:nvPicPr>
-          <p:cNvPr id="28" name="Picture 25">
-            <a:extLst>
-              <a:ext uri="{FF2B5EF4-FFF2-40B4-BE49-F238E27FC236}">
-                <a16:creationId xmlns:a16="http://schemas.microsoft.com/office/drawing/2014/main" id="{9CCD2FC8-BB1E-4BFB-ABCD-0B2B32A263A0}"/>
+          <p:cNvPr id="25" name="Picture 4">
+            <a:extLst>
+              <a:ext uri="{FF2B5EF4-FFF2-40B4-BE49-F238E27FC236}">
+                <a16:creationId xmlns:a16="http://schemas.microsoft.com/office/drawing/2014/main" id="{FAFEE803-ECE4-40AC-B4A4-B318F2F704B6}"/>
               </a:ext>
             </a:extLst>
           </p:cNvPr>
@@ -1831,21 +1831,15 @@
           <p:nvPr userDrawn="1"/>
         </p:nvPicPr>
         <p:blipFill>
-          <a:blip r:embed="rId7" cstate="print">
-            <a:extLst>
-              <a:ext uri="{28A0092B-C50C-407E-A947-70E740481C1C}">
-                <a14:useLocalDpi xmlns:a14="http://schemas.microsoft.com/office/drawing/2010/main" val="0"/>
-              </a:ext>
-            </a:extLst>
-          </a:blip>
+          <a:blip r:embed="rId7"/>
           <a:stretch>
             <a:fillRect/>
           </a:stretch>
         </p:blipFill>
         <p:spPr>
           <a:xfrm>
-            <a:off x="2384350" y="5136776"/>
-            <a:ext cx="1450619" cy="725309"/>
+            <a:off x="1120346" y="2883769"/>
+            <a:ext cx="2044307" cy="1022154"/>
           </a:xfrm>
           <a:prstGeom prst="rect">
             <a:avLst/>
@@ -1854,10 +1848,10 @@
       </p:pic>
       <p:pic>
         <p:nvPicPr>
-          <p:cNvPr id="29" name="Immagine 28">
-            <a:extLst>
-              <a:ext uri="{FF2B5EF4-FFF2-40B4-BE49-F238E27FC236}">
-                <a16:creationId xmlns:a16="http://schemas.microsoft.com/office/drawing/2014/main" id="{A161C690-1F00-4495-9A06-8558E31376E5}"/>
+          <p:cNvPr id="30" name="Immagine 29">
+            <a:extLst>
+              <a:ext uri="{FF2B5EF4-FFF2-40B4-BE49-F238E27FC236}">
+                <a16:creationId xmlns:a16="http://schemas.microsoft.com/office/drawing/2014/main" id="{C1C8BCAB-B6B0-49E1-8CB2-F16B8FADEC18}"/>
               </a:ext>
             </a:extLst>
           </p:cNvPr>
@@ -1880,8 +1874,8 @@
         </p:blipFill>
         <p:spPr>
           <a:xfrm>
-            <a:off x="481359" y="5092601"/>
-            <a:ext cx="1450620" cy="725310"/>
+            <a:off x="2605072" y="5767668"/>
+            <a:ext cx="1032652" cy="1032652"/>
           </a:xfrm>
           <a:prstGeom prst="rect">
             <a:avLst/>
@@ -1890,10 +1884,10 @@
       </p:pic>
       <p:pic>
         <p:nvPicPr>
-          <p:cNvPr id="25" name="Picture 4">
-            <a:extLst>
-              <a:ext uri="{FF2B5EF4-FFF2-40B4-BE49-F238E27FC236}">
-                <a16:creationId xmlns:a16="http://schemas.microsoft.com/office/drawing/2014/main" id="{FAFEE803-ECE4-40AC-B4A4-B318F2F704B6}"/>
+          <p:cNvPr id="20" name="Immagine 19" descr="Immagine che contiene testo, clipart, grafica vettoriale, segnale&#10;&#10;Descrizione generata automaticamente">
+            <a:extLst>
+              <a:ext uri="{FF2B5EF4-FFF2-40B4-BE49-F238E27FC236}">
+                <a16:creationId xmlns:a16="http://schemas.microsoft.com/office/drawing/2014/main" id="{60539698-B617-4DC7-B363-6254C340BFFC}"/>
               </a:ext>
             </a:extLst>
           </p:cNvPr>
@@ -1903,15 +1897,21 @@
           <p:nvPr userDrawn="1"/>
         </p:nvPicPr>
         <p:blipFill>
-          <a:blip r:embed="rId9"/>
+          <a:blip r:embed="rId9" cstate="print">
+            <a:extLst>
+              <a:ext uri="{28A0092B-C50C-407E-A947-70E740481C1C}">
+                <a14:useLocalDpi xmlns:a14="http://schemas.microsoft.com/office/drawing/2010/main" val="0"/>
+              </a:ext>
+            </a:extLst>
+          </a:blip>
           <a:stretch>
             <a:fillRect/>
           </a:stretch>
         </p:blipFill>
         <p:spPr>
           <a:xfrm>
-            <a:off x="1120346" y="2883769"/>
-            <a:ext cx="2044307" cy="1022154"/>
+            <a:off x="590614" y="5967727"/>
+            <a:ext cx="648547" cy="648547"/>
           </a:xfrm>
           <a:prstGeom prst="rect">
             <a:avLst/>
@@ -1920,10 +1920,10 @@
       </p:pic>
       <p:pic>
         <p:nvPicPr>
-          <p:cNvPr id="30" name="Immagine 29">
-            <a:extLst>
-              <a:ext uri="{FF2B5EF4-FFF2-40B4-BE49-F238E27FC236}">
-                <a16:creationId xmlns:a16="http://schemas.microsoft.com/office/drawing/2014/main" id="{C1C8BCAB-B6B0-49E1-8CB2-F16B8FADEC18}"/>
+          <p:cNvPr id="5" name="Picture 4" descr="A group of letters with a black background&#10;&#10;Description automatically generated with medium confidence">
+            <a:extLst>
+              <a:ext uri="{FF2B5EF4-FFF2-40B4-BE49-F238E27FC236}">
+                <a16:creationId xmlns:a16="http://schemas.microsoft.com/office/drawing/2014/main" id="{46E4FDF5-98C7-F113-258D-CC175776D0A8}"/>
               </a:ext>
             </a:extLst>
           </p:cNvPr>
@@ -1933,7 +1933,7 @@
           <p:nvPr userDrawn="1"/>
         </p:nvPicPr>
         <p:blipFill>
-          <a:blip r:embed="rId10" cstate="print">
+          <a:blip r:embed="rId10">
             <a:extLst>
               <a:ext uri="{28A0092B-C50C-407E-A947-70E740481C1C}">
                 <a14:useLocalDpi xmlns:a14="http://schemas.microsoft.com/office/drawing/2010/main" val="0"/>
@@ -1946,8 +1946,8 @@
         </p:blipFill>
         <p:spPr>
           <a:xfrm>
-            <a:off x="2737512" y="5825348"/>
-            <a:ext cx="1032652" cy="1032652"/>
+            <a:off x="4287340" y="1652428"/>
+            <a:ext cx="7772400" cy="4140966"/>
           </a:xfrm>
           <a:prstGeom prst="rect">
             <a:avLst/>
@@ -1956,10 +1956,10 @@
       </p:pic>
       <p:pic>
         <p:nvPicPr>
-          <p:cNvPr id="20" name="Immagine 19" descr="Immagine che contiene testo, clipart, grafica vettoriale, segnale&#10;&#10;Descrizione generata automaticamente">
-            <a:extLst>
-              <a:ext uri="{FF2B5EF4-FFF2-40B4-BE49-F238E27FC236}">
-                <a16:creationId xmlns:a16="http://schemas.microsoft.com/office/drawing/2014/main" id="{60539698-B617-4DC7-B363-6254C340BFFC}"/>
+          <p:cNvPr id="2" name="Picture 1" descr="A blue text on a black background&#10;&#10;Description automatically generated">
+            <a:extLst>
+              <a:ext uri="{FF2B5EF4-FFF2-40B4-BE49-F238E27FC236}">
+                <a16:creationId xmlns:a16="http://schemas.microsoft.com/office/drawing/2014/main" id="{552563BC-23BD-D064-B6AD-751F1F797838}"/>
               </a:ext>
             </a:extLst>
           </p:cNvPr>
@@ -1969,7 +1969,7 @@
           <p:nvPr userDrawn="1"/>
         </p:nvPicPr>
         <p:blipFill>
-          <a:blip r:embed="rId11" cstate="print">
+          <a:blip r:embed="rId11">
             <a:extLst>
               <a:ext uri="{28A0092B-C50C-407E-A947-70E740481C1C}">
                 <a14:useLocalDpi xmlns:a14="http://schemas.microsoft.com/office/drawing/2010/main" val="0"/>
@@ -1982,8 +1982,8 @@
         </p:blipFill>
         <p:spPr>
           <a:xfrm>
-            <a:off x="723054" y="6025407"/>
-            <a:ext cx="648547" cy="648547"/>
+            <a:off x="632190" y="4027354"/>
+            <a:ext cx="3020618" cy="668996"/>
           </a:xfrm>
           <a:prstGeom prst="rect">
             <a:avLst/>
@@ -1992,10 +1992,10 @@
       </p:pic>
       <p:pic>
         <p:nvPicPr>
-          <p:cNvPr id="5" name="Picture 4" descr="A group of letters with a black background&#10;&#10;Description automatically generated with medium confidence">
-            <a:extLst>
-              <a:ext uri="{FF2B5EF4-FFF2-40B4-BE49-F238E27FC236}">
-                <a16:creationId xmlns:a16="http://schemas.microsoft.com/office/drawing/2014/main" id="{46E4FDF5-98C7-F113-258D-CC175776D0A8}"/>
+          <p:cNvPr id="4" name="Picture 3" descr="A red text on a black background&#10;&#10;Description automatically generated">
+            <a:extLst>
+              <a:ext uri="{FF2B5EF4-FFF2-40B4-BE49-F238E27FC236}">
+                <a16:creationId xmlns:a16="http://schemas.microsoft.com/office/drawing/2014/main" id="{77554BEA-586D-60BA-E6C0-F2606AD2B713}"/>
               </a:ext>
             </a:extLst>
           </p:cNvPr>
@@ -2018,8 +2018,91 @@
         </p:blipFill>
         <p:spPr>
           <a:xfrm>
-            <a:off x="4287340" y="1652428"/>
-            <a:ext cx="7772400" cy="4140966"/>
+            <a:off x="2002782" y="5334214"/>
+            <a:ext cx="734730" cy="433611"/>
+          </a:xfrm>
+          <a:prstGeom prst="rect">
+            <a:avLst/>
+          </a:prstGeom>
+        </p:spPr>
+      </p:pic>
+      <p:pic>
+        <p:nvPicPr>
+          <p:cNvPr id="1026" name="Picture 2" descr="Unikey">
+            <a:extLst>
+              <a:ext uri="{FF2B5EF4-FFF2-40B4-BE49-F238E27FC236}">
+                <a16:creationId xmlns:a16="http://schemas.microsoft.com/office/drawing/2014/main" id="{821C7895-1E72-8676-2628-386B78104F5D}"/>
+              </a:ext>
+            </a:extLst>
+          </p:cNvPr>
+          <p:cNvPicPr>
+            <a:picLocks noChangeAspect="1" noChangeArrowheads="1"/>
+          </p:cNvPicPr>
+          <p:nvPr userDrawn="1"/>
+        </p:nvPicPr>
+        <p:blipFill>
+          <a:blip r:embed="rId13">
+            <a:extLst>
+              <a:ext uri="{28A0092B-C50C-407E-A947-70E740481C1C}">
+                <a14:useLocalDpi xmlns:a14="http://schemas.microsoft.com/office/drawing/2010/main" val="0"/>
+              </a:ext>
+            </a:extLst>
+          </a:blip>
+          <a:srcRect/>
+          <a:stretch>
+            <a:fillRect/>
+          </a:stretch>
+        </p:blipFill>
+        <p:spPr bwMode="auto">
+          <a:xfrm>
+            <a:off x="2801185" y="5067270"/>
+            <a:ext cx="1720829" cy="860415"/>
+          </a:xfrm>
+          <a:prstGeom prst="rect">
+            <a:avLst/>
+          </a:prstGeom>
+          <a:noFill/>
+          <a:extLst>
+            <a:ext uri="{909E8E84-426E-40DD-AFC4-6F175D3DCCD1}">
+              <a14:hiddenFill xmlns:a14="http://schemas.microsoft.com/office/drawing/2010/main">
+                <a:solidFill>
+                  <a:srgbClr val="FFFFFF"/>
+                </a:solidFill>
+              </a14:hiddenFill>
+            </a:ext>
+          </a:extLst>
+        </p:spPr>
+      </p:pic>
+      <p:pic>
+        <p:nvPicPr>
+          <p:cNvPr id="7" name="Picture 6" descr="A brown horse with orange text&#10;&#10;Description automatically generated">
+            <a:extLst>
+              <a:ext uri="{FF2B5EF4-FFF2-40B4-BE49-F238E27FC236}">
+                <a16:creationId xmlns:a16="http://schemas.microsoft.com/office/drawing/2014/main" id="{1CDBD625-5E62-BCF4-44CA-0DD49D088155}"/>
+              </a:ext>
+            </a:extLst>
+          </p:cNvPr>
+          <p:cNvPicPr>
+            <a:picLocks noChangeAspect="1"/>
+          </p:cNvPicPr>
+          <p:nvPr userDrawn="1"/>
+        </p:nvPicPr>
+        <p:blipFill>
+          <a:blip r:embed="rId14">
+            <a:extLst>
+              <a:ext uri="{28A0092B-C50C-407E-A947-70E740481C1C}">
+                <a14:useLocalDpi xmlns:a14="http://schemas.microsoft.com/office/drawing/2010/main" val="0"/>
+              </a:ext>
+            </a:extLst>
+          </a:blip>
+          <a:stretch>
+            <a:fillRect/>
+          </a:stretch>
+        </p:blipFill>
+        <p:spPr>
+          <a:xfrm>
+            <a:off x="3782814" y="6033465"/>
+            <a:ext cx="919982" cy="535813"/>
           </a:xfrm>
           <a:prstGeom prst="rect">
             <a:avLst/>
@@ -2056,130 +2139,6 @@
           <a:chExt cx="0" cy="0"/>
         </a:xfrm>
       </p:grpSpPr>
-      <p:grpSp>
-        <p:nvGrpSpPr>
-          <p:cNvPr id="7" name="Group 6">
-            <a:extLst>
-              <a:ext uri="{FF2B5EF4-FFF2-40B4-BE49-F238E27FC236}">
-                <a16:creationId xmlns:a16="http://schemas.microsoft.com/office/drawing/2014/main" id="{EAFD7D67-E580-489E-9473-D22D32B597A4}"/>
-              </a:ext>
-            </a:extLst>
-          </p:cNvPr>
-          <p:cNvGrpSpPr/>
-          <p:nvPr userDrawn="1"/>
-        </p:nvGrpSpPr>
-        <p:grpSpPr>
-          <a:xfrm>
-            <a:off x="1236237" y="-106200"/>
-            <a:ext cx="10528474" cy="9991456"/>
-            <a:chOff x="1547949" y="-1422929"/>
-            <a:chExt cx="4715691" cy="4722003"/>
-          </a:xfrm>
-        </p:grpSpPr>
-        <p:pic>
-          <p:nvPicPr>
-            <p:cNvPr id="8" name="Picture 7">
-              <a:extLst>
-                <a:ext uri="{FF2B5EF4-FFF2-40B4-BE49-F238E27FC236}">
-                  <a16:creationId xmlns:a16="http://schemas.microsoft.com/office/drawing/2014/main" id="{E75395F5-4799-453F-8929-465A5EF45129}"/>
-                </a:ext>
-              </a:extLst>
-            </p:cNvPr>
-            <p:cNvPicPr>
-              <a:picLocks noChangeAspect="1"/>
-            </p:cNvPicPr>
-            <p:nvPr userDrawn="1"/>
-          </p:nvPicPr>
-          <p:blipFill rotWithShape="1">
-            <a:blip r:embed="rId2">
-              <a:duotone>
-                <a:schemeClr val="accent6">
-                  <a:shade val="45000"/>
-                  <a:satMod val="135000"/>
-                </a:schemeClr>
-                <a:prstClr val="white"/>
-              </a:duotone>
-              <a:extLst>
-                <a:ext uri="{BEBA8EAE-BF5A-486C-A8C5-ECC9F3942E4B}">
-                  <a14:imgProps xmlns:a14="http://schemas.microsoft.com/office/drawing/2010/main">
-                    <a14:imgLayer r:embed="rId3">
-                      <a14:imgEffect>
-                        <a14:brightnessContrast bright="40000" contrast="40000"/>
-                      </a14:imgEffect>
-                    </a14:imgLayer>
-                  </a14:imgProps>
-                </a:ext>
-                <a:ext uri="{28A0092B-C50C-407E-A947-70E740481C1C}">
-                  <a14:useLocalDpi xmlns:a14="http://schemas.microsoft.com/office/drawing/2010/main" val="0"/>
-                </a:ext>
-              </a:extLst>
-            </a:blip>
-            <a:srcRect l="21383" t="24306" r="22100" b="19103"/>
-            <a:stretch/>
-          </p:blipFill>
-          <p:spPr>
-            <a:xfrm>
-              <a:off x="1547949" y="-1422929"/>
-              <a:ext cx="4715691" cy="4722003"/>
-            </a:xfrm>
-            <a:prstGeom prst="rect">
-              <a:avLst/>
-            </a:prstGeom>
-          </p:spPr>
-        </p:pic>
-        <p:sp>
-          <p:nvSpPr>
-            <p:cNvPr id="9" name="Rectangle 8">
-              <a:extLst>
-                <a:ext uri="{FF2B5EF4-FFF2-40B4-BE49-F238E27FC236}">
-                  <a16:creationId xmlns:a16="http://schemas.microsoft.com/office/drawing/2014/main" id="{FCCE7C08-FD97-4D07-889C-BA7EF06D99C9}"/>
-                </a:ext>
-              </a:extLst>
-            </p:cNvPr>
-            <p:cNvSpPr/>
-            <p:nvPr userDrawn="1"/>
-          </p:nvSpPr>
-          <p:spPr>
-            <a:xfrm>
-              <a:off x="1725930" y="-1301876"/>
-              <a:ext cx="4537710" cy="3362059"/>
-            </a:xfrm>
-            <a:prstGeom prst="rect">
-              <a:avLst/>
-            </a:prstGeom>
-            <a:solidFill>
-              <a:srgbClr val="FFFFFF">
-                <a:alpha val="75000"/>
-              </a:srgbClr>
-            </a:solidFill>
-            <a:ln>
-              <a:noFill/>
-            </a:ln>
-          </p:spPr>
-          <p:style>
-            <a:lnRef idx="1">
-              <a:schemeClr val="accent1"/>
-            </a:lnRef>
-            <a:fillRef idx="3">
-              <a:schemeClr val="accent1"/>
-            </a:fillRef>
-            <a:effectRef idx="2">
-              <a:schemeClr val="accent1"/>
-            </a:effectRef>
-            <a:fontRef idx="minor">
-              <a:schemeClr val="lt1"/>
-            </a:fontRef>
-          </p:style>
-          <p:txBody>
-            <a:bodyPr rtlCol="0" anchor="ctr"/>
-            <a:lstStyle/>
-            <a:p>
-              <a:pPr algn="ctr"/>
-              <a:endParaRPr lang="en-US" dirty="0"/>
-            </a:p>
-          </p:txBody>
-        </p:sp>
-      </p:grpSp>
       <p:pic>
         <p:nvPicPr>
           <p:cNvPr id="6" name="Picture 5">
@@ -2195,7 +2154,7 @@
           <p:nvPr userDrawn="1"/>
         </p:nvPicPr>
         <p:blipFill rotWithShape="1">
-          <a:blip r:embed="rId4" cstate="print">
+          <a:blip r:embed="rId2" cstate="print">
             <a:extLst>
               <a:ext uri="{28A0092B-C50C-407E-A947-70E740481C1C}">
                 <a14:useLocalDpi xmlns:a14="http://schemas.microsoft.com/office/drawing/2010/main" val="0"/>
@@ -2334,7 +2293,7 @@
           <p:nvPr userDrawn="1"/>
         </p:nvPicPr>
         <p:blipFill>
-          <a:blip r:embed="rId5">
+          <a:blip r:embed="rId3">
             <a:extLst>
               <a:ext uri="{28A0092B-C50C-407E-A947-70E740481C1C}">
                 <a14:useLocalDpi xmlns:a14="http://schemas.microsoft.com/office/drawing/2010/main" val="0"/>
@@ -2604,7 +2563,7 @@
           <p:nvPr userDrawn="1"/>
         </p:nvPicPr>
         <p:blipFill>
-          <a:blip r:embed="rId6">
+          <a:blip r:embed="rId4">
             <a:extLst>
               <a:ext uri="{28A0092B-C50C-407E-A947-70E740481C1C}">
                 <a14:useLocalDpi xmlns:a14="http://schemas.microsoft.com/office/drawing/2010/main" val="0"/>
@@ -2640,7 +2599,7 @@
           <p:nvPr userDrawn="1"/>
         </p:nvPicPr>
         <p:blipFill>
-          <a:blip r:embed="rId7"/>
+          <a:blip r:embed="rId5"/>
           <a:stretch>
             <a:fillRect/>
           </a:stretch>
@@ -2670,7 +2629,7 @@
           <p:nvPr userDrawn="1"/>
         </p:nvPicPr>
         <p:blipFill>
-          <a:blip r:embed="rId8">
+          <a:blip r:embed="rId6">
             <a:extLst>
               <a:ext uri="{28A0092B-C50C-407E-A947-70E740481C1C}">
                 <a14:useLocalDpi xmlns:a14="http://schemas.microsoft.com/office/drawing/2010/main" val="0"/>
@@ -2706,7 +2665,7 @@
           <p:nvPr userDrawn="1"/>
         </p:nvPicPr>
         <p:blipFill>
-          <a:blip r:embed="rId9">
+          <a:blip r:embed="rId7">
             <a:extLst>
               <a:ext uri="{28A0092B-C50C-407E-A947-70E740481C1C}">
                 <a14:useLocalDpi xmlns:a14="http://schemas.microsoft.com/office/drawing/2010/main" val="0"/>
@@ -2794,7 +2753,7 @@
           <p:nvPr userDrawn="1"/>
         </p:nvPicPr>
         <p:blipFill>
-          <a:blip r:embed="rId10" cstate="print">
+          <a:blip r:embed="rId8" cstate="print">
             <a:extLst>
               <a:ext uri="{28A0092B-C50C-407E-A947-70E740481C1C}">
                 <a14:useLocalDpi xmlns:a14="http://schemas.microsoft.com/office/drawing/2010/main" val="0"/>
@@ -2821,6 +2780,78 @@
             <a:extLst>
               <a:ext uri="{FF2B5EF4-FFF2-40B4-BE49-F238E27FC236}">
                 <a16:creationId xmlns:a16="http://schemas.microsoft.com/office/drawing/2014/main" id="{E6059519-A6DD-F8AA-1131-615BB97EC2C5}"/>
+              </a:ext>
+            </a:extLst>
+          </p:cNvPr>
+          <p:cNvPicPr>
+            <a:picLocks noChangeAspect="1"/>
+          </p:cNvPicPr>
+          <p:nvPr userDrawn="1"/>
+        </p:nvPicPr>
+        <p:blipFill>
+          <a:blip r:embed="rId9">
+            <a:extLst>
+              <a:ext uri="{28A0092B-C50C-407E-A947-70E740481C1C}">
+                <a14:useLocalDpi xmlns:a14="http://schemas.microsoft.com/office/drawing/2010/main" val="0"/>
+              </a:ext>
+            </a:extLst>
+          </a:blip>
+          <a:stretch>
+            <a:fillRect/>
+          </a:stretch>
+        </p:blipFill>
+        <p:spPr>
+          <a:xfrm>
+            <a:off x="8196573" y="2397074"/>
+            <a:ext cx="3020618" cy="668996"/>
+          </a:xfrm>
+          <a:prstGeom prst="rect">
+            <a:avLst/>
+          </a:prstGeom>
+        </p:spPr>
+      </p:pic>
+      <p:pic>
+        <p:nvPicPr>
+          <p:cNvPr id="17" name="Picture 16" descr="A black and white logo&#10;&#10;Description automatically generated">
+            <a:extLst>
+              <a:ext uri="{FF2B5EF4-FFF2-40B4-BE49-F238E27FC236}">
+                <a16:creationId xmlns:a16="http://schemas.microsoft.com/office/drawing/2014/main" id="{7A005ABE-F5DD-7D3C-2148-A1661DB8F109}"/>
+              </a:ext>
+            </a:extLst>
+          </p:cNvPr>
+          <p:cNvPicPr>
+            <a:picLocks noChangeAspect="1"/>
+          </p:cNvPicPr>
+          <p:nvPr userDrawn="1"/>
+        </p:nvPicPr>
+        <p:blipFill>
+          <a:blip r:embed="rId10">
+            <a:extLst>
+              <a:ext uri="{28A0092B-C50C-407E-A947-70E740481C1C}">
+                <a14:useLocalDpi xmlns:a14="http://schemas.microsoft.com/office/drawing/2010/main" val="0"/>
+              </a:ext>
+            </a:extLst>
+          </a:blip>
+          <a:stretch>
+            <a:fillRect/>
+          </a:stretch>
+        </p:blipFill>
+        <p:spPr>
+          <a:xfrm>
+            <a:off x="3358205" y="4357309"/>
+            <a:ext cx="1872615" cy="458600"/>
+          </a:xfrm>
+          <a:prstGeom prst="rect">
+            <a:avLst/>
+          </a:prstGeom>
+        </p:spPr>
+      </p:pic>
+      <p:pic>
+        <p:nvPicPr>
+          <p:cNvPr id="20" name="Picture 19" descr="A red text on a black background&#10;&#10;Description automatically generated">
+            <a:extLst>
+              <a:ext uri="{FF2B5EF4-FFF2-40B4-BE49-F238E27FC236}">
+                <a16:creationId xmlns:a16="http://schemas.microsoft.com/office/drawing/2014/main" id="{0BAF1AB2-3F51-CD97-A85C-C4A25D43F30C}"/>
               </a:ext>
             </a:extLst>
           </p:cNvPr>
@@ -2843,8 +2874,8 @@
         </p:blipFill>
         <p:spPr>
           <a:xfrm>
-            <a:off x="8196573" y="2397074"/>
-            <a:ext cx="3020618" cy="668996"/>
+            <a:off x="5628189" y="4288894"/>
+            <a:ext cx="1189917" cy="702246"/>
           </a:xfrm>
           <a:prstGeom prst="rect">
             <a:avLst/>
@@ -2853,10 +2884,10 @@
       </p:pic>
       <p:pic>
         <p:nvPicPr>
-          <p:cNvPr id="10" name="Picture 9" descr="A brown horse with orange text&#10;&#10;Description automatically generated">
-            <a:extLst>
-              <a:ext uri="{FF2B5EF4-FFF2-40B4-BE49-F238E27FC236}">
-                <a16:creationId xmlns:a16="http://schemas.microsoft.com/office/drawing/2014/main" id="{BE8A587F-223A-E669-59A0-F608F2119ECF}"/>
+          <p:cNvPr id="15" name="Picture 14" descr="A logo with blue and black text&#10;&#10;Description automatically generated">
+            <a:extLst>
+              <a:ext uri="{FF2B5EF4-FFF2-40B4-BE49-F238E27FC236}">
+                <a16:creationId xmlns:a16="http://schemas.microsoft.com/office/drawing/2014/main" id="{A0568014-7E98-BC55-B4B5-F24623CCDE81}"/>
               </a:ext>
             </a:extLst>
           </p:cNvPr>
@@ -2867,6 +2898,7 @@
         </p:nvPicPr>
         <p:blipFill>
           <a:blip r:embed="rId12">
+            <a:alphaModFix/>
             <a:extLst>
               <a:ext uri="{28A0092B-C50C-407E-A947-70E740481C1C}">
                 <a14:useLocalDpi xmlns:a14="http://schemas.microsoft.com/office/drawing/2010/main" val="0"/>
@@ -2879,116 +2911,8 @@
         </p:blipFill>
         <p:spPr>
           <a:xfrm>
-            <a:off x="7396858" y="5847064"/>
-            <a:ext cx="1456921" cy="849870"/>
-          </a:xfrm>
-          <a:prstGeom prst="rect">
-            <a:avLst/>
-          </a:prstGeom>
-        </p:spPr>
-      </p:pic>
-      <p:pic>
-        <p:nvPicPr>
-          <p:cNvPr id="17" name="Picture 16" descr="A black and white logo&#10;&#10;Description automatically generated">
-            <a:extLst>
-              <a:ext uri="{FF2B5EF4-FFF2-40B4-BE49-F238E27FC236}">
-                <a16:creationId xmlns:a16="http://schemas.microsoft.com/office/drawing/2014/main" id="{7A005ABE-F5DD-7D3C-2148-A1661DB8F109}"/>
-              </a:ext>
-            </a:extLst>
-          </p:cNvPr>
-          <p:cNvPicPr>
-            <a:picLocks noChangeAspect="1"/>
-          </p:cNvPicPr>
-          <p:nvPr userDrawn="1"/>
-        </p:nvPicPr>
-        <p:blipFill>
-          <a:blip r:embed="rId13">
-            <a:extLst>
-              <a:ext uri="{28A0092B-C50C-407E-A947-70E740481C1C}">
-                <a14:useLocalDpi xmlns:a14="http://schemas.microsoft.com/office/drawing/2010/main" val="0"/>
-              </a:ext>
-            </a:extLst>
-          </a:blip>
-          <a:stretch>
-            <a:fillRect/>
-          </a:stretch>
-        </p:blipFill>
-        <p:spPr>
-          <a:xfrm>
-            <a:off x="3358205" y="4357309"/>
-            <a:ext cx="1872615" cy="458600"/>
-          </a:xfrm>
-          <a:prstGeom prst="rect">
-            <a:avLst/>
-          </a:prstGeom>
-        </p:spPr>
-      </p:pic>
-      <p:pic>
-        <p:nvPicPr>
-          <p:cNvPr id="20" name="Picture 19" descr="A red text on a black background&#10;&#10;Description automatically generated">
-            <a:extLst>
-              <a:ext uri="{FF2B5EF4-FFF2-40B4-BE49-F238E27FC236}">
-                <a16:creationId xmlns:a16="http://schemas.microsoft.com/office/drawing/2014/main" id="{0BAF1AB2-3F51-CD97-A85C-C4A25D43F30C}"/>
-              </a:ext>
-            </a:extLst>
-          </p:cNvPr>
-          <p:cNvPicPr>
-            <a:picLocks noChangeAspect="1"/>
-          </p:cNvPicPr>
-          <p:nvPr userDrawn="1"/>
-        </p:nvPicPr>
-        <p:blipFill>
-          <a:blip r:embed="rId14">
-            <a:extLst>
-              <a:ext uri="{28A0092B-C50C-407E-A947-70E740481C1C}">
-                <a14:useLocalDpi xmlns:a14="http://schemas.microsoft.com/office/drawing/2010/main" val="0"/>
-              </a:ext>
-            </a:extLst>
-          </a:blip>
-          <a:stretch>
-            <a:fillRect/>
-          </a:stretch>
-        </p:blipFill>
-        <p:spPr>
-          <a:xfrm>
-            <a:off x="5628189" y="4288894"/>
-            <a:ext cx="1189917" cy="702246"/>
-          </a:xfrm>
-          <a:prstGeom prst="rect">
-            <a:avLst/>
-          </a:prstGeom>
-        </p:spPr>
-      </p:pic>
-      <p:pic>
-        <p:nvPicPr>
-          <p:cNvPr id="23" name="Picture 22" descr="A black and white logo&#10;&#10;Description automatically generated">
-            <a:extLst>
-              <a:ext uri="{FF2B5EF4-FFF2-40B4-BE49-F238E27FC236}">
-                <a16:creationId xmlns:a16="http://schemas.microsoft.com/office/drawing/2014/main" id="{CEC44E5D-0F51-D320-86EE-AC3537364529}"/>
-              </a:ext>
-            </a:extLst>
-          </p:cNvPr>
-          <p:cNvPicPr>
-            <a:picLocks noChangeAspect="1"/>
-          </p:cNvPicPr>
-          <p:nvPr userDrawn="1"/>
-        </p:nvPicPr>
-        <p:blipFill>
-          <a:blip r:embed="rId15">
-            <a:extLst>
-              <a:ext uri="{28A0092B-C50C-407E-A947-70E740481C1C}">
-                <a14:useLocalDpi xmlns:a14="http://schemas.microsoft.com/office/drawing/2010/main" val="0"/>
-              </a:ext>
-            </a:extLst>
-          </a:blip>
-          <a:stretch>
-            <a:fillRect/>
-          </a:stretch>
-        </p:blipFill>
-        <p:spPr>
-          <a:xfrm>
-            <a:off x="7215475" y="4323191"/>
-            <a:ext cx="2240614" cy="580159"/>
+            <a:off x="6984907" y="3935429"/>
+            <a:ext cx="2673193" cy="1336597"/>
           </a:xfrm>
           <a:prstGeom prst="rect">
             <a:avLst/>
@@ -7288,18 +7212,18 @@
 </file>
 
 <file path=customXml/item1.xml><?xml version="1.0" encoding="utf-8"?>
+<p:properties xmlns:p="http://schemas.microsoft.com/office/2006/metadata/properties" xmlns:xsi="http://www.w3.org/2001/XMLSchema-instance" xmlns:pc="http://schemas.microsoft.com/office/infopath/2007/PartnerControls">
+  <documentManagement/>
+</p:properties>
+</file>
+
+<file path=customXml/item2.xml><?xml version="1.0" encoding="utf-8"?>
 <?mso-contentType ?>
 <FormTemplates xmlns="http://schemas.microsoft.com/sharepoint/v3/contenttype/forms">
   <Display>DocumentLibraryForm</Display>
   <Edit>DocumentLibraryForm</Edit>
   <New>DocumentLibraryForm</New>
 </FormTemplates>
-</file>
-
-<file path=customXml/item2.xml><?xml version="1.0" encoding="utf-8"?>
-<p:properties xmlns:p="http://schemas.microsoft.com/office/2006/metadata/properties" xmlns:xsi="http://www.w3.org/2001/XMLSchema-instance" xmlns:pc="http://schemas.microsoft.com/office/infopath/2007/PartnerControls">
-  <documentManagement/>
-</p:properties>
 </file>
 
 <file path=customXml/item3.xml><?xml version="1.0" encoding="utf-8"?>
@@ -7435,14 +7359,6 @@
 </file>
 
 <file path=customXml/itemProps1.xml><?xml version="1.0" encoding="utf-8"?>
-<ds:datastoreItem xmlns:ds="http://schemas.openxmlformats.org/officeDocument/2006/customXml" ds:itemID="{285C8949-12A8-4D3A-8B80-D82110DA804F}">
-  <ds:schemaRefs>
-    <ds:schemaRef ds:uri="http://schemas.microsoft.com/sharepoint/v3/contenttype/forms"/>
-  </ds:schemaRefs>
-</ds:datastoreItem>
-</file>
-
-<file path=customXml/itemProps2.xml><?xml version="1.0" encoding="utf-8"?>
 <ds:datastoreItem xmlns:ds="http://schemas.openxmlformats.org/officeDocument/2006/customXml" ds:itemID="{1B70D356-E601-4D10-90F6-536FDCA3FCED}">
   <ds:schemaRefs>
     <ds:schemaRef ds:uri="http://purl.org/dc/dcmitype/"/>
@@ -7454,6 +7370,14 @@
     <ds:schemaRef ds:uri="00e0c6ab-2e1e-446e-8cd4-dc4d1cc239d2"/>
     <ds:schemaRef ds:uri="http://purl.org/dc/terms/"/>
     <ds:schemaRef ds:uri="http://purl.org/dc/elements/1.1/"/>
+  </ds:schemaRefs>
+</ds:datastoreItem>
+</file>
+
+<file path=customXml/itemProps2.xml><?xml version="1.0" encoding="utf-8"?>
+<ds:datastoreItem xmlns:ds="http://schemas.openxmlformats.org/officeDocument/2006/customXml" ds:itemID="{285C8949-12A8-4D3A-8B80-D82110DA804F}">
+  <ds:schemaRefs>
+    <ds:schemaRef ds:uri="http://schemas.microsoft.com/sharepoint/v3/contenttype/forms"/>
   </ds:schemaRefs>
 </ds:datastoreItem>
 </file>

--- a/Template/Template_AIDay2023.pptx
+++ b/Template/Template_AIDay2023.pptx
@@ -2913,6 +2913,42 @@
           <a:xfrm>
             <a:off x="6984907" y="3935429"/>
             <a:ext cx="2673193" cy="1336597"/>
+          </a:xfrm>
+          <a:prstGeom prst="rect">
+            <a:avLst/>
+          </a:prstGeom>
+        </p:spPr>
+      </p:pic>
+      <p:pic>
+        <p:nvPicPr>
+          <p:cNvPr id="2" name="Picture 1" descr="A brown horse with orange text&#10;&#10;Description automatically generated">
+            <a:extLst>
+              <a:ext uri="{FF2B5EF4-FFF2-40B4-BE49-F238E27FC236}">
+                <a16:creationId xmlns:a16="http://schemas.microsoft.com/office/drawing/2014/main" id="{C3D43647-2D62-8987-C783-8E7031A52EDA}"/>
+              </a:ext>
+            </a:extLst>
+          </p:cNvPr>
+          <p:cNvPicPr>
+            <a:picLocks noChangeAspect="1"/>
+          </p:cNvPicPr>
+          <p:nvPr userDrawn="1"/>
+        </p:nvPicPr>
+        <p:blipFill>
+          <a:blip r:embed="rId13">
+            <a:extLst>
+              <a:ext uri="{28A0092B-C50C-407E-A947-70E740481C1C}">
+                <a14:useLocalDpi xmlns:a14="http://schemas.microsoft.com/office/drawing/2010/main" val="0"/>
+              </a:ext>
+            </a:extLst>
+          </a:blip>
+          <a:stretch>
+            <a:fillRect/>
+          </a:stretch>
+        </p:blipFill>
+        <p:spPr>
+          <a:xfrm>
+            <a:off x="7453109" y="5813836"/>
+            <a:ext cx="1216385" cy="708443"/>
           </a:xfrm>
           <a:prstGeom prst="rect">
             <a:avLst/>
@@ -7212,21 +7248,6 @@
 </file>
 
 <file path=customXml/item1.xml><?xml version="1.0" encoding="utf-8"?>
-<p:properties xmlns:p="http://schemas.microsoft.com/office/2006/metadata/properties" xmlns:xsi="http://www.w3.org/2001/XMLSchema-instance" xmlns:pc="http://schemas.microsoft.com/office/infopath/2007/PartnerControls">
-  <documentManagement/>
-</p:properties>
-</file>
-
-<file path=customXml/item2.xml><?xml version="1.0" encoding="utf-8"?>
-<?mso-contentType ?>
-<FormTemplates xmlns="http://schemas.microsoft.com/sharepoint/v3/contenttype/forms">
-  <Display>DocumentLibraryForm</Display>
-  <Edit>DocumentLibraryForm</Edit>
-  <New>DocumentLibraryForm</New>
-</FormTemplates>
-</file>
-
-<file path=customXml/item3.xml><?xml version="1.0" encoding="utf-8"?>
 <ct:contentTypeSchema xmlns:ct="http://schemas.microsoft.com/office/2006/metadata/contentType" xmlns:ma="http://schemas.microsoft.com/office/2006/metadata/properties/metaAttributes" ct:_="" ma:_="" ma:contentTypeName="Document" ma:contentTypeID="0x010100570D7CADCFE5E348ACFAE3832C303840" ma:contentTypeVersion="2" ma:contentTypeDescription="Create a new document." ma:contentTypeScope="" ma:versionID="633b0979296f1ed1c69f243239c6b35f">
   <xsd:schema xmlns:xsd="http://www.w3.org/2001/XMLSchema" xmlns:xs="http://www.w3.org/2001/XMLSchema" xmlns:p="http://schemas.microsoft.com/office/2006/metadata/properties" xmlns:ns2="00e0c6ab-2e1e-446e-8cd4-dc4d1cc239d2" targetNamespace="http://schemas.microsoft.com/office/2006/metadata/properties" ma:root="true" ma:fieldsID="2fb82ef2dbc616c6e96786f58783f5ba" ns2:_="">
     <xsd:import namespace="00e0c6ab-2e1e-446e-8cd4-dc4d1cc239d2"/>
@@ -7358,31 +7379,22 @@
 </ct:contentTypeSchema>
 </file>
 
-<file path=customXml/itemProps1.xml><?xml version="1.0" encoding="utf-8"?>
-<ds:datastoreItem xmlns:ds="http://schemas.openxmlformats.org/officeDocument/2006/customXml" ds:itemID="{1B70D356-E601-4D10-90F6-536FDCA3FCED}">
-  <ds:schemaRefs>
-    <ds:schemaRef ds:uri="http://purl.org/dc/dcmitype/"/>
-    <ds:schemaRef ds:uri="http://schemas.microsoft.com/office/2006/metadata/properties"/>
-    <ds:schemaRef ds:uri="http://schemas.microsoft.com/office/2006/documentManagement/types"/>
-    <ds:schemaRef ds:uri="http://www.w3.org/XML/1998/namespace"/>
-    <ds:schemaRef ds:uri="http://schemas.microsoft.com/office/infopath/2007/PartnerControls"/>
-    <ds:schemaRef ds:uri="http://schemas.openxmlformats.org/package/2006/metadata/core-properties"/>
-    <ds:schemaRef ds:uri="00e0c6ab-2e1e-446e-8cd4-dc4d1cc239d2"/>
-    <ds:schemaRef ds:uri="http://purl.org/dc/terms/"/>
-    <ds:schemaRef ds:uri="http://purl.org/dc/elements/1.1/"/>
-  </ds:schemaRefs>
-</ds:datastoreItem>
+<file path=customXml/item2.xml><?xml version="1.0" encoding="utf-8"?>
+<?mso-contentType ?>
+<FormTemplates xmlns="http://schemas.microsoft.com/sharepoint/v3/contenttype/forms">
+  <Display>DocumentLibraryForm</Display>
+  <Edit>DocumentLibraryForm</Edit>
+  <New>DocumentLibraryForm</New>
+</FormTemplates>
 </file>
 
-<file path=customXml/itemProps2.xml><?xml version="1.0" encoding="utf-8"?>
-<ds:datastoreItem xmlns:ds="http://schemas.openxmlformats.org/officeDocument/2006/customXml" ds:itemID="{285C8949-12A8-4D3A-8B80-D82110DA804F}">
-  <ds:schemaRefs>
-    <ds:schemaRef ds:uri="http://schemas.microsoft.com/sharepoint/v3/contenttype/forms"/>
-  </ds:schemaRefs>
-</ds:datastoreItem>
+<file path=customXml/item3.xml><?xml version="1.0" encoding="utf-8"?>
+<p:properties xmlns:p="http://schemas.microsoft.com/office/2006/metadata/properties" xmlns:xsi="http://www.w3.org/2001/XMLSchema-instance" xmlns:pc="http://schemas.microsoft.com/office/infopath/2007/PartnerControls">
+  <documentManagement/>
+</p:properties>
 </file>
 
-<file path=customXml/itemProps3.xml><?xml version="1.0" encoding="utf-8"?>
+<file path=customXml/itemProps1.xml><?xml version="1.0" encoding="utf-8"?>
 <ds:datastoreItem xmlns:ds="http://schemas.openxmlformats.org/officeDocument/2006/customXml" ds:itemID="{7217DFBD-4751-428F-B38C-3EB5F02CAA3A}">
   <ds:schemaRefs>
     <ds:schemaRef ds:uri="http://schemas.microsoft.com/office/2006/metadata/contentType"/>
@@ -7398,4 +7410,28 @@
     <ds:schemaRef ds:uri="http://schemas.microsoft.com/internal/obd"/>
   </ds:schemaRefs>
 </ds:datastoreItem>
+</file>
+
+<file path=customXml/itemProps2.xml><?xml version="1.0" encoding="utf-8"?>
+<ds:datastoreItem xmlns:ds="http://schemas.openxmlformats.org/officeDocument/2006/customXml" ds:itemID="{285C8949-12A8-4D3A-8B80-D82110DA804F}">
+  <ds:schemaRefs>
+    <ds:schemaRef ds:uri="http://schemas.microsoft.com/sharepoint/v3/contenttype/forms"/>
+  </ds:schemaRefs>
+</ds:datastoreItem>
+</file>
+
+<file path=customXml/itemProps3.xml><?xml version="1.0" encoding="utf-8"?>
+<ds:datastoreItem xmlns:ds="http://schemas.openxmlformats.org/officeDocument/2006/customXml" ds:itemID="{1B70D356-E601-4D10-90F6-536FDCA3FCED}">
+  <ds:schemaRefs>
+    <ds:schemaRef ds:uri="http://purl.org/dc/dcmitype/"/>
+    <ds:schemaRef ds:uri="http://schemas.microsoft.com/office/2006/metadata/properties"/>
+    <ds:schemaRef ds:uri="http://schemas.microsoft.com/office/2006/documentManagement/types"/>
+    <ds:schemaRef ds:uri="http://www.w3.org/XML/1998/namespace"/>
+    <ds:schemaRef ds:uri="http://schemas.microsoft.com/office/infopath/2007/PartnerControls"/>
+    <ds:schemaRef ds:uri="http://schemas.openxmlformats.org/package/2006/metadata/core-properties"/>
+    <ds:schemaRef ds:uri="00e0c6ab-2e1e-446e-8cd4-dc4d1cc239d2"/>
+    <ds:schemaRef ds:uri="http://purl.org/dc/terms/"/>
+    <ds:schemaRef ds:uri="http://purl.org/dc/elements/1.1/"/>
+  </ds:schemaRefs>
+</ds:datastoreItem>
 </file>
--- a/Template/Template_AIDay2023.pptx
+++ b/Template/Template_AIDay2023.pptx
@@ -1982,8 +1982,8 @@
         </p:blipFill>
         <p:spPr>
           <a:xfrm>
-            <a:off x="632190" y="4027354"/>
-            <a:ext cx="3020618" cy="668996"/>
+            <a:off x="1120346" y="4097175"/>
+            <a:ext cx="2044307" cy="452766"/>
           </a:xfrm>
           <a:prstGeom prst="rect">
             <a:avLst/>
@@ -7380,18 +7380,18 @@
 </file>
 
 <file path=customXml/item2.xml><?xml version="1.0" encoding="utf-8"?>
+<p:properties xmlns:p="http://schemas.microsoft.com/office/2006/metadata/properties" xmlns:xsi="http://www.w3.org/2001/XMLSchema-instance" xmlns:pc="http://schemas.microsoft.com/office/infopath/2007/PartnerControls">
+  <documentManagement/>
+</p:properties>
+</file>
+
+<file path=customXml/item3.xml><?xml version="1.0" encoding="utf-8"?>
 <?mso-contentType ?>
 <FormTemplates xmlns="http://schemas.microsoft.com/sharepoint/v3/contenttype/forms">
   <Display>DocumentLibraryForm</Display>
   <Edit>DocumentLibraryForm</Edit>
   <New>DocumentLibraryForm</New>
 </FormTemplates>
-</file>
-
-<file path=customXml/item3.xml><?xml version="1.0" encoding="utf-8"?>
-<p:properties xmlns:p="http://schemas.microsoft.com/office/2006/metadata/properties" xmlns:xsi="http://www.w3.org/2001/XMLSchema-instance" xmlns:pc="http://schemas.microsoft.com/office/infopath/2007/PartnerControls">
-  <documentManagement/>
-</p:properties>
 </file>
 
 <file path=customXml/itemProps1.xml><?xml version="1.0" encoding="utf-8"?>
@@ -7413,14 +7413,6 @@
 </file>
 
 <file path=customXml/itemProps2.xml><?xml version="1.0" encoding="utf-8"?>
-<ds:datastoreItem xmlns:ds="http://schemas.openxmlformats.org/officeDocument/2006/customXml" ds:itemID="{285C8949-12A8-4D3A-8B80-D82110DA804F}">
-  <ds:schemaRefs>
-    <ds:schemaRef ds:uri="http://schemas.microsoft.com/sharepoint/v3/contenttype/forms"/>
-  </ds:schemaRefs>
-</ds:datastoreItem>
-</file>
-
-<file path=customXml/itemProps3.xml><?xml version="1.0" encoding="utf-8"?>
 <ds:datastoreItem xmlns:ds="http://schemas.openxmlformats.org/officeDocument/2006/customXml" ds:itemID="{1B70D356-E601-4D10-90F6-536FDCA3FCED}">
   <ds:schemaRefs>
     <ds:schemaRef ds:uri="http://purl.org/dc/dcmitype/"/>
@@ -7434,4 +7426,12 @@
     <ds:schemaRef ds:uri="http://purl.org/dc/elements/1.1/"/>
   </ds:schemaRefs>
 </ds:datastoreItem>
+</file>
+
+<file path=customXml/itemProps3.xml><?xml version="1.0" encoding="utf-8"?>
+<ds:datastoreItem xmlns:ds="http://schemas.openxmlformats.org/officeDocument/2006/customXml" ds:itemID="{285C8949-12A8-4D3A-8B80-D82110DA804F}">
+  <ds:schemaRefs>
+    <ds:schemaRef ds:uri="http://schemas.microsoft.com/sharepoint/v3/contenttype/forms"/>
+  </ds:schemaRefs>
+</ds:datastoreItem>
 </file>
--- a/Template/Template_AIDay2023.pptx
+++ b/Template/Template_AIDay2023.pptx
@@ -237,7 +237,7 @@
           <a:p>
             <a:fld id="{41F5DDD7-29E8-4F85-A117-E0D0E07135BD}" type="datetimeFigureOut">
               <a:rPr lang="en-US" smtClean="0"/>
-              <a:t>11/5/23</a:t>
+              <a:t>11/9/2023</a:t>
             </a:fld>
             <a:endParaRPr lang="en-US"/>
           </a:p>
@@ -303,7 +303,7 @@
           <a:p>
             <a:fld id="{2A458E4C-A571-4498-B61D-3EBCC782E6C8}" type="slidenum">
               <a:rPr lang="en-US" smtClean="0"/>
-              <a:t>‹#›</a:t>
+              <a:t>‹N›</a:t>
             </a:fld>
             <a:endParaRPr lang="en-US"/>
           </a:p>
@@ -403,7 +403,7 @@
           <a:p>
             <a:fld id="{2434B426-DD78-45C6-AC2B-6AECC245F0A6}" type="datetimeFigureOut">
               <a:rPr lang="en-US" smtClean="0"/>
-              <a:t>11/5/23</a:t>
+              <a:t>11/9/2023</a:t>
             </a:fld>
             <a:endParaRPr lang="en-US"/>
           </a:p>
@@ -561,7 +561,7 @@
           <a:p>
             <a:fld id="{CD493308-1CCD-4083-9427-1DD59259FBE4}" type="slidenum">
               <a:rPr lang="en-US" smtClean="0"/>
-              <a:t>‹#›</a:t>
+              <a:t>‹N›</a:t>
             </a:fld>
             <a:endParaRPr lang="en-US"/>
           </a:p>
@@ -1700,7 +1700,7 @@
         </p:blipFill>
         <p:spPr>
           <a:xfrm>
-            <a:off x="1545582" y="5858610"/>
+            <a:off x="1741695" y="5885934"/>
             <a:ext cx="914400" cy="914400"/>
           </a:xfrm>
           <a:prstGeom prst="rect">
@@ -1710,10 +1710,10 @@
       </p:pic>
       <p:pic>
         <p:nvPicPr>
-          <p:cNvPr id="24" name="Picture 21">
-            <a:extLst>
-              <a:ext uri="{FF2B5EF4-FFF2-40B4-BE49-F238E27FC236}">
-                <a16:creationId xmlns:a16="http://schemas.microsoft.com/office/drawing/2014/main" id="{0AACED0D-0891-4479-A07E-D4D61485E9E1}"/>
+          <p:cNvPr id="29" name="Immagine 28">
+            <a:extLst>
+              <a:ext uri="{FF2B5EF4-FFF2-40B4-BE49-F238E27FC236}">
+                <a16:creationId xmlns:a16="http://schemas.microsoft.com/office/drawing/2014/main" id="{A161C690-1F00-4495-9A06-8558E31376E5}"/>
               </a:ext>
             </a:extLst>
           </p:cNvPr>
@@ -1723,7 +1723,7 @@
           <p:nvPr userDrawn="1"/>
         </p:nvPicPr>
         <p:blipFill>
-          <a:blip r:embed="rId4">
+          <a:blip r:embed="rId4" cstate="print">
             <a:extLst>
               <a:ext uri="{28A0092B-C50C-407E-A947-70E740481C1C}">
                 <a14:useLocalDpi xmlns:a14="http://schemas.microsoft.com/office/drawing/2010/main" val="0"/>
@@ -1736,8 +1736,8 @@
         </p:blipFill>
         <p:spPr>
           <a:xfrm>
-            <a:off x="768580" y="1838224"/>
-            <a:ext cx="2747839" cy="1225213"/>
+            <a:off x="370256" y="5101570"/>
+            <a:ext cx="1450620" cy="725310"/>
           </a:xfrm>
           <a:prstGeom prst="rect">
             <a:avLst/>
@@ -1746,10 +1746,10 @@
       </p:pic>
       <p:pic>
         <p:nvPicPr>
-          <p:cNvPr id="26" name="Picture 11">
-            <a:extLst>
-              <a:ext uri="{FF2B5EF4-FFF2-40B4-BE49-F238E27FC236}">
-                <a16:creationId xmlns:a16="http://schemas.microsoft.com/office/drawing/2014/main" id="{718BA105-F928-4BD2-8C7E-21056B9CE238}"/>
+          <p:cNvPr id="30" name="Immagine 29">
+            <a:extLst>
+              <a:ext uri="{FF2B5EF4-FFF2-40B4-BE49-F238E27FC236}">
+                <a16:creationId xmlns:a16="http://schemas.microsoft.com/office/drawing/2014/main" id="{C1C8BCAB-B6B0-49E1-8CB2-F16B8FADEC18}"/>
               </a:ext>
             </a:extLst>
           </p:cNvPr>
@@ -1759,7 +1759,7 @@
           <p:nvPr userDrawn="1"/>
         </p:nvPicPr>
         <p:blipFill>
-          <a:blip r:embed="rId5">
+          <a:blip r:embed="rId5" cstate="print">
             <a:extLst>
               <a:ext uri="{28A0092B-C50C-407E-A947-70E740481C1C}">
                 <a14:useLocalDpi xmlns:a14="http://schemas.microsoft.com/office/drawing/2010/main" val="0"/>
@@ -1772,8 +1772,8 @@
         </p:blipFill>
         <p:spPr>
           <a:xfrm>
-            <a:off x="774196" y="873138"/>
-            <a:ext cx="2736606" cy="1220204"/>
+            <a:off x="2801185" y="5794992"/>
+            <a:ext cx="1032652" cy="1032652"/>
           </a:xfrm>
           <a:prstGeom prst="rect">
             <a:avLst/>
@@ -1782,10 +1782,10 @@
       </p:pic>
       <p:pic>
         <p:nvPicPr>
-          <p:cNvPr id="29" name="Immagine 28">
-            <a:extLst>
-              <a:ext uri="{FF2B5EF4-FFF2-40B4-BE49-F238E27FC236}">
-                <a16:creationId xmlns:a16="http://schemas.microsoft.com/office/drawing/2014/main" id="{A161C690-1F00-4495-9A06-8558E31376E5}"/>
+          <p:cNvPr id="20" name="Immagine 19" descr="Immagine che contiene testo, clipart, grafica vettoriale, segnale&#10;&#10;Descrizione generata automaticamente">
+            <a:extLst>
+              <a:ext uri="{FF2B5EF4-FFF2-40B4-BE49-F238E27FC236}">
+                <a16:creationId xmlns:a16="http://schemas.microsoft.com/office/drawing/2014/main" id="{60539698-B617-4DC7-B363-6254C340BFFC}"/>
               </a:ext>
             </a:extLst>
           </p:cNvPr>
@@ -1808,8 +1808,8 @@
         </p:blipFill>
         <p:spPr>
           <a:xfrm>
-            <a:off x="481359" y="5092601"/>
-            <a:ext cx="1450620" cy="725310"/>
+            <a:off x="5171351" y="6002115"/>
+            <a:ext cx="648547" cy="648547"/>
           </a:xfrm>
           <a:prstGeom prst="rect">
             <a:avLst/>
@@ -1818,10 +1818,10 @@
       </p:pic>
       <p:pic>
         <p:nvPicPr>
-          <p:cNvPr id="25" name="Picture 4">
-            <a:extLst>
-              <a:ext uri="{FF2B5EF4-FFF2-40B4-BE49-F238E27FC236}">
-                <a16:creationId xmlns:a16="http://schemas.microsoft.com/office/drawing/2014/main" id="{FAFEE803-ECE4-40AC-B4A4-B318F2F704B6}"/>
+          <p:cNvPr id="5" name="Picture 4" descr="A group of letters with a black background&#10;&#10;Description automatically generated with medium confidence">
+            <a:extLst>
+              <a:ext uri="{FF2B5EF4-FFF2-40B4-BE49-F238E27FC236}">
+                <a16:creationId xmlns:a16="http://schemas.microsoft.com/office/drawing/2014/main" id="{46E4FDF5-98C7-F113-258D-CC175776D0A8}"/>
               </a:ext>
             </a:extLst>
           </p:cNvPr>
@@ -1831,15 +1831,21 @@
           <p:nvPr userDrawn="1"/>
         </p:nvPicPr>
         <p:blipFill>
-          <a:blip r:embed="rId7"/>
+          <a:blip r:embed="rId7" cstate="print">
+            <a:extLst>
+              <a:ext uri="{28A0092B-C50C-407E-A947-70E740481C1C}">
+                <a14:useLocalDpi xmlns:a14="http://schemas.microsoft.com/office/drawing/2010/main" val="0"/>
+              </a:ext>
+            </a:extLst>
+          </a:blip>
           <a:stretch>
             <a:fillRect/>
           </a:stretch>
         </p:blipFill>
         <p:spPr>
           <a:xfrm>
-            <a:off x="1120346" y="2883769"/>
-            <a:ext cx="2044307" cy="1022154"/>
+            <a:off x="4287340" y="1652428"/>
+            <a:ext cx="7772400" cy="4140966"/>
           </a:xfrm>
           <a:prstGeom prst="rect">
             <a:avLst/>
@@ -1848,10 +1854,10 @@
       </p:pic>
       <p:pic>
         <p:nvPicPr>
-          <p:cNvPr id="30" name="Immagine 29">
-            <a:extLst>
-              <a:ext uri="{FF2B5EF4-FFF2-40B4-BE49-F238E27FC236}">
-                <a16:creationId xmlns:a16="http://schemas.microsoft.com/office/drawing/2014/main" id="{C1C8BCAB-B6B0-49E1-8CB2-F16B8FADEC18}"/>
+          <p:cNvPr id="4" name="Picture 3" descr="A red text on a black background&#10;&#10;Description automatically generated">
+            <a:extLst>
+              <a:ext uri="{FF2B5EF4-FFF2-40B4-BE49-F238E27FC236}">
+                <a16:creationId xmlns:a16="http://schemas.microsoft.com/office/drawing/2014/main" id="{77554BEA-586D-60BA-E6C0-F2606AD2B713}"/>
               </a:ext>
             </a:extLst>
           </p:cNvPr>
@@ -1861,151 +1867,7 @@
           <p:nvPr userDrawn="1"/>
         </p:nvPicPr>
         <p:blipFill>
-          <a:blip r:embed="rId8" cstate="print">
-            <a:extLst>
-              <a:ext uri="{28A0092B-C50C-407E-A947-70E740481C1C}">
-                <a14:useLocalDpi xmlns:a14="http://schemas.microsoft.com/office/drawing/2010/main" val="0"/>
-              </a:ext>
-            </a:extLst>
-          </a:blip>
-          <a:stretch>
-            <a:fillRect/>
-          </a:stretch>
-        </p:blipFill>
-        <p:spPr>
-          <a:xfrm>
-            <a:off x="2605072" y="5767668"/>
-            <a:ext cx="1032652" cy="1032652"/>
-          </a:xfrm>
-          <a:prstGeom prst="rect">
-            <a:avLst/>
-          </a:prstGeom>
-        </p:spPr>
-      </p:pic>
-      <p:pic>
-        <p:nvPicPr>
-          <p:cNvPr id="20" name="Immagine 19" descr="Immagine che contiene testo, clipart, grafica vettoriale, segnale&#10;&#10;Descrizione generata automaticamente">
-            <a:extLst>
-              <a:ext uri="{FF2B5EF4-FFF2-40B4-BE49-F238E27FC236}">
-                <a16:creationId xmlns:a16="http://schemas.microsoft.com/office/drawing/2014/main" id="{60539698-B617-4DC7-B363-6254C340BFFC}"/>
-              </a:ext>
-            </a:extLst>
-          </p:cNvPr>
-          <p:cNvPicPr>
-            <a:picLocks noChangeAspect="1"/>
-          </p:cNvPicPr>
-          <p:nvPr userDrawn="1"/>
-        </p:nvPicPr>
-        <p:blipFill>
-          <a:blip r:embed="rId9" cstate="print">
-            <a:extLst>
-              <a:ext uri="{28A0092B-C50C-407E-A947-70E740481C1C}">
-                <a14:useLocalDpi xmlns:a14="http://schemas.microsoft.com/office/drawing/2010/main" val="0"/>
-              </a:ext>
-            </a:extLst>
-          </a:blip>
-          <a:stretch>
-            <a:fillRect/>
-          </a:stretch>
-        </p:blipFill>
-        <p:spPr>
-          <a:xfrm>
-            <a:off x="590614" y="5967727"/>
-            <a:ext cx="648547" cy="648547"/>
-          </a:xfrm>
-          <a:prstGeom prst="rect">
-            <a:avLst/>
-          </a:prstGeom>
-        </p:spPr>
-      </p:pic>
-      <p:pic>
-        <p:nvPicPr>
-          <p:cNvPr id="5" name="Picture 4" descr="A group of letters with a black background&#10;&#10;Description automatically generated with medium confidence">
-            <a:extLst>
-              <a:ext uri="{FF2B5EF4-FFF2-40B4-BE49-F238E27FC236}">
-                <a16:creationId xmlns:a16="http://schemas.microsoft.com/office/drawing/2014/main" id="{46E4FDF5-98C7-F113-258D-CC175776D0A8}"/>
-              </a:ext>
-            </a:extLst>
-          </p:cNvPr>
-          <p:cNvPicPr>
-            <a:picLocks noChangeAspect="1"/>
-          </p:cNvPicPr>
-          <p:nvPr userDrawn="1"/>
-        </p:nvPicPr>
-        <p:blipFill>
-          <a:blip r:embed="rId10">
-            <a:extLst>
-              <a:ext uri="{28A0092B-C50C-407E-A947-70E740481C1C}">
-                <a14:useLocalDpi xmlns:a14="http://schemas.microsoft.com/office/drawing/2010/main" val="0"/>
-              </a:ext>
-            </a:extLst>
-          </a:blip>
-          <a:stretch>
-            <a:fillRect/>
-          </a:stretch>
-        </p:blipFill>
-        <p:spPr>
-          <a:xfrm>
-            <a:off x="4287340" y="1652428"/>
-            <a:ext cx="7772400" cy="4140966"/>
-          </a:xfrm>
-          <a:prstGeom prst="rect">
-            <a:avLst/>
-          </a:prstGeom>
-        </p:spPr>
-      </p:pic>
-      <p:pic>
-        <p:nvPicPr>
-          <p:cNvPr id="2" name="Picture 1" descr="A blue text on a black background&#10;&#10;Description automatically generated">
-            <a:extLst>
-              <a:ext uri="{FF2B5EF4-FFF2-40B4-BE49-F238E27FC236}">
-                <a16:creationId xmlns:a16="http://schemas.microsoft.com/office/drawing/2014/main" id="{552563BC-23BD-D064-B6AD-751F1F797838}"/>
-              </a:ext>
-            </a:extLst>
-          </p:cNvPr>
-          <p:cNvPicPr>
-            <a:picLocks noChangeAspect="1"/>
-          </p:cNvPicPr>
-          <p:nvPr userDrawn="1"/>
-        </p:nvPicPr>
-        <p:blipFill>
-          <a:blip r:embed="rId11">
-            <a:extLst>
-              <a:ext uri="{28A0092B-C50C-407E-A947-70E740481C1C}">
-                <a14:useLocalDpi xmlns:a14="http://schemas.microsoft.com/office/drawing/2010/main" val="0"/>
-              </a:ext>
-            </a:extLst>
-          </a:blip>
-          <a:stretch>
-            <a:fillRect/>
-          </a:stretch>
-        </p:blipFill>
-        <p:spPr>
-          <a:xfrm>
-            <a:off x="1120346" y="4097175"/>
-            <a:ext cx="2044307" cy="452766"/>
-          </a:xfrm>
-          <a:prstGeom prst="rect">
-            <a:avLst/>
-          </a:prstGeom>
-        </p:spPr>
-      </p:pic>
-      <p:pic>
-        <p:nvPicPr>
-          <p:cNvPr id="4" name="Picture 3" descr="A red text on a black background&#10;&#10;Description automatically generated">
-            <a:extLst>
-              <a:ext uri="{FF2B5EF4-FFF2-40B4-BE49-F238E27FC236}">
-                <a16:creationId xmlns:a16="http://schemas.microsoft.com/office/drawing/2014/main" id="{77554BEA-586D-60BA-E6C0-F2606AD2B713}"/>
-              </a:ext>
-            </a:extLst>
-          </p:cNvPr>
-          <p:cNvPicPr>
-            <a:picLocks noChangeAspect="1"/>
-          </p:cNvPicPr>
-          <p:nvPr userDrawn="1"/>
-        </p:nvPicPr>
-        <p:blipFill>
-          <a:blip r:embed="rId12">
+          <a:blip r:embed="rId8">
             <a:extLst>
               <a:ext uri="{28A0092B-C50C-407E-A947-70E740481C1C}">
                 <a14:useLocalDpi xmlns:a14="http://schemas.microsoft.com/office/drawing/2010/main" val="0"/>
@@ -2041,7 +1903,7 @@
           <p:nvPr userDrawn="1"/>
         </p:nvPicPr>
         <p:blipFill>
-          <a:blip r:embed="rId13">
+          <a:blip r:embed="rId9" cstate="print">
             <a:extLst>
               <a:ext uri="{28A0092B-C50C-407E-A947-70E740481C1C}">
                 <a14:useLocalDpi xmlns:a14="http://schemas.microsoft.com/office/drawing/2010/main" val="0"/>
@@ -2055,7 +1917,7 @@
         </p:blipFill>
         <p:spPr bwMode="auto">
           <a:xfrm>
-            <a:off x="2801185" y="5067270"/>
+            <a:off x="2836380" y="5037339"/>
             <a:ext cx="1720829" cy="860415"/>
           </a:xfrm>
           <a:prstGeom prst="rect">
@@ -2088,7 +1950,7 @@
           <p:nvPr userDrawn="1"/>
         </p:nvPicPr>
         <p:blipFill>
-          <a:blip r:embed="rId14">
+          <a:blip r:embed="rId10" cstate="print">
             <a:extLst>
               <a:ext uri="{28A0092B-C50C-407E-A947-70E740481C1C}">
                 <a14:useLocalDpi xmlns:a14="http://schemas.microsoft.com/office/drawing/2010/main" val="0"/>
@@ -2101,12 +1963,222 @@
         </p:blipFill>
         <p:spPr>
           <a:xfrm>
-            <a:off x="3782814" y="6033465"/>
+            <a:off x="3978927" y="6060789"/>
             <a:ext cx="919982" cy="535813"/>
           </a:xfrm>
           <a:prstGeom prst="rect">
             <a:avLst/>
           </a:prstGeom>
+        </p:spPr>
+      </p:pic>
+      <p:pic>
+        <p:nvPicPr>
+          <p:cNvPr id="6" name="Picture 2" descr="Philmark">
+            <a:extLst>
+              <a:ext uri="{FF2B5EF4-FFF2-40B4-BE49-F238E27FC236}">
+                <a16:creationId xmlns:a16="http://schemas.microsoft.com/office/drawing/2014/main" id="{9C44B9B3-D0F2-41EF-F791-6A25552DC19B}"/>
+              </a:ext>
+            </a:extLst>
+          </p:cNvPr>
+          <p:cNvPicPr>
+            <a:picLocks noChangeAspect="1" noChangeArrowheads="1"/>
+          </p:cNvPicPr>
+          <p:nvPr userDrawn="1"/>
+        </p:nvPicPr>
+        <p:blipFill rotWithShape="1">
+          <a:blip r:embed="rId11" cstate="print">
+            <a:extLst>
+              <a:ext uri="{28A0092B-C50C-407E-A947-70E740481C1C}">
+                <a14:useLocalDpi xmlns:a14="http://schemas.microsoft.com/office/drawing/2010/main" val="0"/>
+              </a:ext>
+            </a:extLst>
+          </a:blip>
+          <a:srcRect t="19649" b="16580"/>
+          <a:stretch/>
+        </p:blipFill>
+        <p:spPr bwMode="auto">
+          <a:xfrm>
+            <a:off x="-23121" y="6062695"/>
+            <a:ext cx="1843997" cy="587967"/>
+          </a:xfrm>
+          <a:prstGeom prst="rect">
+            <a:avLst/>
+          </a:prstGeom>
+          <a:noFill/>
+          <a:extLst>
+            <a:ext uri="{909E8E84-426E-40DD-AFC4-6F175D3DCCD1}">
+              <a14:hiddenFill xmlns:a14="http://schemas.microsoft.com/office/drawing/2010/main">
+                <a:solidFill>
+                  <a:srgbClr val="FFFFFF"/>
+                </a:solidFill>
+              </a14:hiddenFill>
+            </a:ext>
+          </a:extLst>
+        </p:spPr>
+      </p:pic>
+      <p:pic>
+        <p:nvPicPr>
+          <p:cNvPr id="9" name="Picture 4">
+            <a:extLst>
+              <a:ext uri="{FF2B5EF4-FFF2-40B4-BE49-F238E27FC236}">
+                <a16:creationId xmlns:a16="http://schemas.microsoft.com/office/drawing/2014/main" id="{D2F99762-3D25-803B-E1C1-6A05A4DA87F4}"/>
+              </a:ext>
+            </a:extLst>
+          </p:cNvPr>
+          <p:cNvPicPr>
+            <a:picLocks noChangeAspect="1"/>
+          </p:cNvPicPr>
+          <p:nvPr userDrawn="1"/>
+        </p:nvPicPr>
+        <p:blipFill>
+          <a:blip r:embed="rId12"/>
+          <a:stretch>
+            <a:fillRect/>
+          </a:stretch>
+        </p:blipFill>
+        <p:spPr>
+          <a:xfrm>
+            <a:off x="1126673" y="3063613"/>
+            <a:ext cx="2247709" cy="1123855"/>
+          </a:xfrm>
+          <a:prstGeom prst="rect">
+            <a:avLst/>
+          </a:prstGeom>
+        </p:spPr>
+      </p:pic>
+      <p:pic>
+        <p:nvPicPr>
+          <p:cNvPr id="10" name="Picture 4" descr="Microsoft">
+            <a:extLst>
+              <a:ext uri="{FF2B5EF4-FFF2-40B4-BE49-F238E27FC236}">
+                <a16:creationId xmlns:a16="http://schemas.microsoft.com/office/drawing/2014/main" id="{0DF5B2B8-CDF6-CCF1-04BF-9679C9F49CD0}"/>
+              </a:ext>
+            </a:extLst>
+          </p:cNvPr>
+          <p:cNvPicPr>
+            <a:picLocks noChangeAspect="1" noChangeArrowheads="1"/>
+          </p:cNvPicPr>
+          <p:nvPr userDrawn="1"/>
+        </p:nvPicPr>
+        <p:blipFill rotWithShape="1">
+          <a:blip r:embed="rId13">
+            <a:extLst>
+              <a:ext uri="{28A0092B-C50C-407E-A947-70E740481C1C}">
+                <a14:useLocalDpi xmlns:a14="http://schemas.microsoft.com/office/drawing/2010/main" val="0"/>
+              </a:ext>
+            </a:extLst>
+          </a:blip>
+          <a:srcRect t="24011" b="25593"/>
+          <a:stretch/>
+        </p:blipFill>
+        <p:spPr bwMode="auto">
+          <a:xfrm>
+            <a:off x="877626" y="1248300"/>
+            <a:ext cx="3101301" cy="781463"/>
+          </a:xfrm>
+          <a:prstGeom prst="rect">
+            <a:avLst/>
+          </a:prstGeom>
+          <a:noFill/>
+          <a:extLst>
+            <a:ext uri="{909E8E84-426E-40DD-AFC4-6F175D3DCCD1}">
+              <a14:hiddenFill xmlns:a14="http://schemas.microsoft.com/office/drawing/2010/main">
+                <a:solidFill>
+                  <a:srgbClr val="FFFFFF"/>
+                </a:solidFill>
+              </a14:hiddenFill>
+            </a:ext>
+          </a:extLst>
+        </p:spPr>
+      </p:pic>
+      <p:pic>
+        <p:nvPicPr>
+          <p:cNvPr id="11" name="Picture 6" descr="Porini">
+            <a:extLst>
+              <a:ext uri="{FF2B5EF4-FFF2-40B4-BE49-F238E27FC236}">
+                <a16:creationId xmlns:a16="http://schemas.microsoft.com/office/drawing/2014/main" id="{C157C7A4-1942-9540-B38D-69E893B4FEC7}"/>
+              </a:ext>
+            </a:extLst>
+          </p:cNvPr>
+          <p:cNvPicPr>
+            <a:picLocks noChangeAspect="1" noChangeArrowheads="1"/>
+          </p:cNvPicPr>
+          <p:nvPr userDrawn="1"/>
+        </p:nvPicPr>
+        <p:blipFill rotWithShape="1">
+          <a:blip r:embed="rId14">
+            <a:extLst>
+              <a:ext uri="{28A0092B-C50C-407E-A947-70E740481C1C}">
+                <a14:useLocalDpi xmlns:a14="http://schemas.microsoft.com/office/drawing/2010/main" val="0"/>
+              </a:ext>
+            </a:extLst>
+          </a:blip>
+          <a:srcRect l="5385" t="24975" b="26842"/>
+          <a:stretch/>
+        </p:blipFill>
+        <p:spPr bwMode="auto">
+          <a:xfrm>
+            <a:off x="841215" y="4187468"/>
+            <a:ext cx="3057864" cy="778611"/>
+          </a:xfrm>
+          <a:prstGeom prst="rect">
+            <a:avLst/>
+          </a:prstGeom>
+          <a:noFill/>
+          <a:extLst>
+            <a:ext uri="{909E8E84-426E-40DD-AFC4-6F175D3DCCD1}">
+              <a14:hiddenFill xmlns:a14="http://schemas.microsoft.com/office/drawing/2010/main">
+                <a:solidFill>
+                  <a:srgbClr val="FFFFFF"/>
+                </a:solidFill>
+              </a14:hiddenFill>
+            </a:ext>
+          </a:extLst>
+        </p:spPr>
+      </p:pic>
+      <p:pic>
+        <p:nvPicPr>
+          <p:cNvPr id="2050" name="Picture 2" descr="Avanade">
+            <a:extLst>
+              <a:ext uri="{FF2B5EF4-FFF2-40B4-BE49-F238E27FC236}">
+                <a16:creationId xmlns:a16="http://schemas.microsoft.com/office/drawing/2014/main" id="{9444A23D-ED4E-FB52-B91C-2E9601046521}"/>
+              </a:ext>
+            </a:extLst>
+          </p:cNvPr>
+          <p:cNvPicPr>
+            <a:picLocks noChangeAspect="1" noChangeArrowheads="1"/>
+          </p:cNvPicPr>
+          <p:nvPr userDrawn="1"/>
+        </p:nvPicPr>
+        <p:blipFill rotWithShape="1">
+          <a:blip r:embed="rId15">
+            <a:extLst>
+              <a:ext uri="{28A0092B-C50C-407E-A947-70E740481C1C}">
+                <a14:useLocalDpi xmlns:a14="http://schemas.microsoft.com/office/drawing/2010/main" val="0"/>
+              </a:ext>
+            </a:extLst>
+          </a:blip>
+          <a:srcRect t="15674" b="22017"/>
+          <a:stretch/>
+        </p:blipFill>
+        <p:spPr bwMode="auto">
+          <a:xfrm>
+            <a:off x="803126" y="2204891"/>
+            <a:ext cx="3134042" cy="976378"/>
+          </a:xfrm>
+          <a:prstGeom prst="rect">
+            <a:avLst/>
+          </a:prstGeom>
+          <a:noFill/>
+          <a:extLst>
+            <a:ext uri="{909E8E84-426E-40DD-AFC4-6F175D3DCCD1}">
+              <a14:hiddenFill xmlns:a14="http://schemas.microsoft.com/office/drawing/2010/main">
+                <a:solidFill>
+                  <a:srgbClr val="FFFFFF"/>
+                </a:solidFill>
+              </a14:hiddenFill>
+            </a:ext>
+          </a:extLst>
         </p:spPr>
       </p:pic>
     </p:spTree>
@@ -2141,6 +2213,43 @@
       </p:grpSpPr>
       <p:pic>
         <p:nvPicPr>
+          <p:cNvPr id="15" name="Picture 14" descr="A logo with blue and black text&#10;&#10;Description automatically generated">
+            <a:extLst>
+              <a:ext uri="{FF2B5EF4-FFF2-40B4-BE49-F238E27FC236}">
+                <a16:creationId xmlns:a16="http://schemas.microsoft.com/office/drawing/2014/main" id="{A0568014-7E98-BC55-B4B5-F24623CCDE81}"/>
+              </a:ext>
+            </a:extLst>
+          </p:cNvPr>
+          <p:cNvPicPr>
+            <a:picLocks noChangeAspect="1"/>
+          </p:cNvPicPr>
+          <p:nvPr userDrawn="1"/>
+        </p:nvPicPr>
+        <p:blipFill>
+          <a:blip r:embed="rId2">
+            <a:alphaModFix/>
+            <a:extLst>
+              <a:ext uri="{28A0092B-C50C-407E-A947-70E740481C1C}">
+                <a14:useLocalDpi xmlns:a14="http://schemas.microsoft.com/office/drawing/2010/main" val="0"/>
+              </a:ext>
+            </a:extLst>
+          </a:blip>
+          <a:stretch>
+            <a:fillRect/>
+          </a:stretch>
+        </p:blipFill>
+        <p:spPr>
+          <a:xfrm>
+            <a:off x="7360281" y="3989918"/>
+            <a:ext cx="2673193" cy="1336597"/>
+          </a:xfrm>
+          <a:prstGeom prst="rect">
+            <a:avLst/>
+          </a:prstGeom>
+        </p:spPr>
+      </p:pic>
+      <p:pic>
+        <p:nvPicPr>
           <p:cNvPr id="6" name="Picture 5">
             <a:extLst>
               <a:ext uri="{FF2B5EF4-FFF2-40B4-BE49-F238E27FC236}">
@@ -2154,7 +2263,7 @@
           <p:nvPr userDrawn="1"/>
         </p:nvPicPr>
         <p:blipFill rotWithShape="1">
-          <a:blip r:embed="rId2" cstate="print">
+          <a:blip r:embed="rId3" cstate="print">
             <a:extLst>
               <a:ext uri="{28A0092B-C50C-407E-A947-70E740481C1C}">
                 <a14:useLocalDpi xmlns:a14="http://schemas.microsoft.com/office/drawing/2010/main" val="0"/>
@@ -2240,7 +2349,7 @@
         </p:nvSpPr>
         <p:spPr>
           <a:xfrm>
-            <a:off x="4741462" y="3602442"/>
+            <a:off x="4741462" y="3518622"/>
             <a:ext cx="2709075" cy="492443"/>
           </a:xfrm>
           <a:prstGeom prst="rect">
@@ -2293,7 +2402,7 @@
           <p:nvPr userDrawn="1"/>
         </p:nvPicPr>
         <p:blipFill>
-          <a:blip r:embed="rId3">
+          <a:blip r:embed="rId4">
             <a:extLst>
               <a:ext uri="{28A0092B-C50C-407E-A947-70E740481C1C}">
                 <a14:useLocalDpi xmlns:a14="http://schemas.microsoft.com/office/drawing/2010/main" val="0"/>
@@ -2306,7 +2415,7 @@
         </p:blipFill>
         <p:spPr>
           <a:xfrm>
-            <a:off x="4775039" y="5719589"/>
+            <a:off x="6139019" y="5719589"/>
             <a:ext cx="1104821" cy="1104821"/>
           </a:xfrm>
           <a:prstGeom prst="rect">
@@ -2408,7 +2517,7 @@
         </p:nvCxnSpPr>
         <p:spPr>
           <a:xfrm>
-            <a:off x="0" y="3889020"/>
+            <a:off x="0" y="3805200"/>
             <a:ext cx="4491318" cy="0"/>
           </a:xfrm>
           <a:prstGeom prst="line">
@@ -2447,7 +2556,7 @@
         </p:nvCxnSpPr>
         <p:spPr>
           <a:xfrm>
-            <a:off x="7700681" y="3896319"/>
+            <a:off x="7700681" y="3812499"/>
             <a:ext cx="4491319" cy="0"/>
           </a:xfrm>
           <a:prstGeom prst="line">
@@ -2486,8 +2595,8 @@
         </p:nvCxnSpPr>
         <p:spPr>
           <a:xfrm>
-            <a:off x="0" y="5419500"/>
-            <a:ext cx="4144851" cy="23002"/>
+            <a:off x="0" y="5480514"/>
+            <a:ext cx="609600" cy="0"/>
           </a:xfrm>
           <a:prstGeom prst="line">
             <a:avLst/>
@@ -2525,8 +2634,8 @@
         </p:nvCxnSpPr>
         <p:spPr>
           <a:xfrm flipV="1">
-            <a:off x="8127721" y="5419500"/>
-            <a:ext cx="4064279" cy="23002"/>
+            <a:off x="9837420" y="5465220"/>
+            <a:ext cx="2354580" cy="11501"/>
           </a:xfrm>
           <a:prstGeom prst="line">
             <a:avLst/>
@@ -2550,42 +2659,6 @@
       </p:cxnSp>
       <p:pic>
         <p:nvPicPr>
-          <p:cNvPr id="22" name="Picture 21">
-            <a:extLst>
-              <a:ext uri="{FF2B5EF4-FFF2-40B4-BE49-F238E27FC236}">
-                <a16:creationId xmlns:a16="http://schemas.microsoft.com/office/drawing/2014/main" id="{87EF9A2F-93D5-4E9F-B6E0-48EFD670299A}"/>
-              </a:ext>
-            </a:extLst>
-          </p:cNvPr>
-          <p:cNvPicPr>
-            <a:picLocks noChangeAspect="1"/>
-          </p:cNvPicPr>
-          <p:nvPr userDrawn="1"/>
-        </p:nvPicPr>
-        <p:blipFill>
-          <a:blip r:embed="rId4">
-            <a:extLst>
-              <a:ext uri="{28A0092B-C50C-407E-A947-70E740481C1C}">
-                <a14:useLocalDpi xmlns:a14="http://schemas.microsoft.com/office/drawing/2010/main" val="0"/>
-              </a:ext>
-            </a:extLst>
-          </a:blip>
-          <a:stretch>
-            <a:fillRect/>
-          </a:stretch>
-        </p:blipFill>
-        <p:spPr>
-          <a:xfrm>
-            <a:off x="286870" y="1808313"/>
-            <a:ext cx="4087585" cy="1822582"/>
-          </a:xfrm>
-          <a:prstGeom prst="rect">
-            <a:avLst/>
-          </a:prstGeom>
-        </p:spPr>
-      </p:pic>
-      <p:pic>
-        <p:nvPicPr>
           <p:cNvPr id="5" name="Picture 4">
             <a:extLst>
               <a:ext uri="{FF2B5EF4-FFF2-40B4-BE49-F238E27FC236}">
@@ -2606,7 +2679,7 @@
         </p:blipFill>
         <p:spPr>
           <a:xfrm>
-            <a:off x="4775039" y="2090031"/>
+            <a:off x="4594618" y="2060753"/>
             <a:ext cx="2926079" cy="1463040"/>
           </a:xfrm>
           <a:prstGeom prst="rect">
@@ -2616,10 +2689,10 @@
       </p:pic>
       <p:pic>
         <p:nvPicPr>
-          <p:cNvPr id="12" name="Picture 11">
-            <a:extLst>
-              <a:ext uri="{FF2B5EF4-FFF2-40B4-BE49-F238E27FC236}">
-                <a16:creationId xmlns:a16="http://schemas.microsoft.com/office/drawing/2014/main" id="{5793BF2D-C359-4F38-974B-97585605A8E5}"/>
+          <p:cNvPr id="19" name="Immagine 18">
+            <a:extLst>
+              <a:ext uri="{FF2B5EF4-FFF2-40B4-BE49-F238E27FC236}">
+                <a16:creationId xmlns:a16="http://schemas.microsoft.com/office/drawing/2014/main" id="{E716D695-E402-435C-B55F-A1E04EE65F14}"/>
               </a:ext>
             </a:extLst>
           </p:cNvPr>
@@ -2628,7 +2701,7 @@
           </p:cNvPicPr>
           <p:nvPr userDrawn="1"/>
         </p:nvPicPr>
-        <p:blipFill>
+        <p:blipFill rotWithShape="1">
           <a:blip r:embed="rId6">
             <a:extLst>
               <a:ext uri="{28A0092B-C50C-407E-A947-70E740481C1C}">
@@ -2636,50 +2709,13 @@
               </a:ext>
             </a:extLst>
           </a:blip>
-          <a:stretch>
-            <a:fillRect/>
-          </a:stretch>
+          <a:srcRect t="23822" b="19511"/>
+          <a:stretch/>
         </p:blipFill>
         <p:spPr>
           <a:xfrm>
-            <a:off x="4279586" y="641809"/>
-            <a:ext cx="3916987" cy="1746515"/>
-          </a:xfrm>
-          <a:prstGeom prst="rect">
-            <a:avLst/>
-          </a:prstGeom>
-        </p:spPr>
-      </p:pic>
-      <p:pic>
-        <p:nvPicPr>
-          <p:cNvPr id="19" name="Immagine 18">
-            <a:extLst>
-              <a:ext uri="{FF2B5EF4-FFF2-40B4-BE49-F238E27FC236}">
-                <a16:creationId xmlns:a16="http://schemas.microsoft.com/office/drawing/2014/main" id="{E716D695-E402-435C-B55F-A1E04EE65F14}"/>
-              </a:ext>
-            </a:extLst>
-          </p:cNvPr>
-          <p:cNvPicPr>
-            <a:picLocks noChangeAspect="1"/>
-          </p:cNvPicPr>
-          <p:nvPr userDrawn="1"/>
-        </p:nvPicPr>
-        <p:blipFill>
-          <a:blip r:embed="rId7">
-            <a:extLst>
-              <a:ext uri="{28A0092B-C50C-407E-A947-70E740481C1C}">
-                <a14:useLocalDpi xmlns:a14="http://schemas.microsoft.com/office/drawing/2010/main" val="0"/>
-              </a:ext>
-            </a:extLst>
-          </a:blip>
-          <a:stretch>
-            <a:fillRect/>
-          </a:stretch>
-        </p:blipFill>
-        <p:spPr>
-          <a:xfrm>
-            <a:off x="5991293" y="5597202"/>
-            <a:ext cx="1294132" cy="1294132"/>
+            <a:off x="7355273" y="5905500"/>
+            <a:ext cx="1294132" cy="733339"/>
           </a:xfrm>
           <a:prstGeom prst="rect">
             <a:avLst/>
@@ -2700,7 +2736,7 @@
         </p:nvSpPr>
         <p:spPr>
           <a:xfrm>
-            <a:off x="4331430" y="5173279"/>
+            <a:off x="5883677" y="5203813"/>
             <a:ext cx="3634008" cy="492443"/>
           </a:xfrm>
           <a:prstGeom prst="rect">
@@ -2753,7 +2789,7 @@
           <p:nvPr userDrawn="1"/>
         </p:nvPicPr>
         <p:blipFill>
-          <a:blip r:embed="rId8" cstate="print">
+          <a:blip r:embed="rId7" cstate="print">
             <a:extLst>
               <a:ext uri="{28A0092B-C50C-407E-A947-70E740481C1C}">
                 <a14:useLocalDpi xmlns:a14="http://schemas.microsoft.com/office/drawing/2010/main" val="0"/>
@@ -2766,7 +2802,7 @@
         </p:blipFill>
         <p:spPr>
           <a:xfrm>
-            <a:off x="3622124" y="5833735"/>
+            <a:off x="4986104" y="5833735"/>
             <a:ext cx="805104" cy="805104"/>
           </a:xfrm>
           <a:prstGeom prst="rect">
@@ -2776,10 +2812,46 @@
       </p:pic>
       <p:pic>
         <p:nvPicPr>
-          <p:cNvPr id="3" name="Picture 2" descr="A blue text on a black background&#10;&#10;Description automatically generated">
-            <a:extLst>
-              <a:ext uri="{FF2B5EF4-FFF2-40B4-BE49-F238E27FC236}">
-                <a16:creationId xmlns:a16="http://schemas.microsoft.com/office/drawing/2014/main" id="{E6059519-A6DD-F8AA-1131-615BB97EC2C5}"/>
+          <p:cNvPr id="17" name="Picture 16" descr="A black and white logo&#10;&#10;Description automatically generated">
+            <a:extLst>
+              <a:ext uri="{FF2B5EF4-FFF2-40B4-BE49-F238E27FC236}">
+                <a16:creationId xmlns:a16="http://schemas.microsoft.com/office/drawing/2014/main" id="{7A005ABE-F5DD-7D3C-2148-A1661DB8F109}"/>
+              </a:ext>
+            </a:extLst>
+          </p:cNvPr>
+          <p:cNvPicPr>
+            <a:picLocks noChangeAspect="1"/>
+          </p:cNvPicPr>
+          <p:nvPr userDrawn="1"/>
+        </p:nvPicPr>
+        <p:blipFill>
+          <a:blip r:embed="rId8">
+            <a:extLst>
+              <a:ext uri="{28A0092B-C50C-407E-A947-70E740481C1C}">
+                <a14:useLocalDpi xmlns:a14="http://schemas.microsoft.com/office/drawing/2010/main" val="0"/>
+              </a:ext>
+            </a:extLst>
+          </a:blip>
+          <a:stretch>
+            <a:fillRect/>
+          </a:stretch>
+        </p:blipFill>
+        <p:spPr>
+          <a:xfrm>
+            <a:off x="2902424" y="4393402"/>
+            <a:ext cx="1872615" cy="458600"/>
+          </a:xfrm>
+          <a:prstGeom prst="rect">
+            <a:avLst/>
+          </a:prstGeom>
+        </p:spPr>
+      </p:pic>
+      <p:pic>
+        <p:nvPicPr>
+          <p:cNvPr id="20" name="Picture 19" descr="A red text on a black background&#10;&#10;Description automatically generated">
+            <a:extLst>
+              <a:ext uri="{FF2B5EF4-FFF2-40B4-BE49-F238E27FC236}">
+                <a16:creationId xmlns:a16="http://schemas.microsoft.com/office/drawing/2014/main" id="{0BAF1AB2-3F51-CD97-A85C-C4A25D43F30C}"/>
               </a:ext>
             </a:extLst>
           </p:cNvPr>
@@ -2802,8 +2874,8 @@
         </p:blipFill>
         <p:spPr>
           <a:xfrm>
-            <a:off x="8196573" y="2397074"/>
-            <a:ext cx="3020618" cy="668996"/>
+            <a:off x="5628189" y="4319374"/>
+            <a:ext cx="1189917" cy="702246"/>
           </a:xfrm>
           <a:prstGeom prst="rect">
             <a:avLst/>
@@ -2812,10 +2884,10 @@
       </p:pic>
       <p:pic>
         <p:nvPicPr>
-          <p:cNvPr id="17" name="Picture 16" descr="A black and white logo&#10;&#10;Description automatically generated">
-            <a:extLst>
-              <a:ext uri="{FF2B5EF4-FFF2-40B4-BE49-F238E27FC236}">
-                <a16:creationId xmlns:a16="http://schemas.microsoft.com/office/drawing/2014/main" id="{7A005ABE-F5DD-7D3C-2148-A1661DB8F109}"/>
+          <p:cNvPr id="2" name="Picture 1" descr="A brown horse with orange text&#10;&#10;Description automatically generated">
+            <a:extLst>
+              <a:ext uri="{FF2B5EF4-FFF2-40B4-BE49-F238E27FC236}">
+                <a16:creationId xmlns:a16="http://schemas.microsoft.com/office/drawing/2014/main" id="{C3D43647-2D62-8987-C783-8E7031A52EDA}"/>
               </a:ext>
             </a:extLst>
           </p:cNvPr>
@@ -2825,7 +2897,7 @@
           <p:nvPr userDrawn="1"/>
         </p:nvPicPr>
         <p:blipFill>
-          <a:blip r:embed="rId10">
+          <a:blip r:embed="rId10" cstate="print">
             <a:extLst>
               <a:ext uri="{28A0092B-C50C-407E-A947-70E740481C1C}">
                 <a14:useLocalDpi xmlns:a14="http://schemas.microsoft.com/office/drawing/2010/main" val="0"/>
@@ -2838,8 +2910,8 @@
         </p:blipFill>
         <p:spPr>
           <a:xfrm>
-            <a:off x="3358205" y="4357309"/>
-            <a:ext cx="1872615" cy="458600"/>
+            <a:off x="8817089" y="5813836"/>
+            <a:ext cx="1216385" cy="708443"/>
           </a:xfrm>
           <a:prstGeom prst="rect">
             <a:avLst/>
@@ -2848,19 +2920,19 @@
       </p:pic>
       <p:pic>
         <p:nvPicPr>
-          <p:cNvPr id="20" name="Picture 19" descr="A red text on a black background&#10;&#10;Description automatically generated">
-            <a:extLst>
-              <a:ext uri="{FF2B5EF4-FFF2-40B4-BE49-F238E27FC236}">
-                <a16:creationId xmlns:a16="http://schemas.microsoft.com/office/drawing/2014/main" id="{0BAF1AB2-3F51-CD97-A85C-C4A25D43F30C}"/>
+          <p:cNvPr id="1026" name="Picture 2" descr="Philmark">
+            <a:extLst>
+              <a:ext uri="{FF2B5EF4-FFF2-40B4-BE49-F238E27FC236}">
+                <a16:creationId xmlns:a16="http://schemas.microsoft.com/office/drawing/2014/main" id="{06D8D3D1-EF5C-5117-24C4-AEE36B109F64}"/>
               </a:ext>
             </a:extLst>
           </p:cNvPr>
           <p:cNvPicPr>
-            <a:picLocks noChangeAspect="1"/>
+            <a:picLocks noChangeAspect="1" noChangeArrowheads="1"/>
           </p:cNvPicPr>
           <p:nvPr userDrawn="1"/>
         </p:nvPicPr>
-        <p:blipFill>
+        <p:blipFill rotWithShape="1">
           <a:blip r:embed="rId11">
             <a:extLst>
               <a:ext uri="{28A0092B-C50C-407E-A947-70E740481C1C}">
@@ -2868,91 +2940,253 @@
               </a:ext>
             </a:extLst>
           </a:blip>
-          <a:stretch>
-            <a:fillRect/>
-          </a:stretch>
+          <a:srcRect t="19649" b="16580"/>
+          <a:stretch/>
         </p:blipFill>
-        <p:spPr>
-          <a:xfrm>
-            <a:off x="5628189" y="4288894"/>
-            <a:ext cx="1189917" cy="702246"/>
+        <p:spPr bwMode="auto">
+          <a:xfrm>
+            <a:off x="1095702" y="5858006"/>
+            <a:ext cx="2299913" cy="733338"/>
           </a:xfrm>
           <a:prstGeom prst="rect">
             <a:avLst/>
           </a:prstGeom>
+          <a:noFill/>
+          <a:extLst>
+            <a:ext uri="{909E8E84-426E-40DD-AFC4-6F175D3DCCD1}">
+              <a14:hiddenFill xmlns:a14="http://schemas.microsoft.com/office/drawing/2010/main">
+                <a:solidFill>
+                  <a:srgbClr val="FFFFFF"/>
+                </a:solidFill>
+              </a14:hiddenFill>
+            </a:ext>
+          </a:extLst>
+        </p:spPr>
+      </p:pic>
+      <p:sp>
+        <p:nvSpPr>
+          <p:cNvPr id="8" name="TextBox 38">
+            <a:extLst>
+              <a:ext uri="{FF2B5EF4-FFF2-40B4-BE49-F238E27FC236}">
+                <a16:creationId xmlns:a16="http://schemas.microsoft.com/office/drawing/2014/main" id="{8B67CA47-8BAE-5CAD-A352-14C3C8AC804A}"/>
+              </a:ext>
+            </a:extLst>
+          </p:cNvPr>
+          <p:cNvSpPr txBox="1"/>
+          <p:nvPr userDrawn="1"/>
+        </p:nvSpPr>
+        <p:spPr>
+          <a:xfrm>
+            <a:off x="929335" y="5203813"/>
+            <a:ext cx="3007233" cy="492443"/>
+          </a:xfrm>
+          <a:prstGeom prst="rect">
+            <a:avLst/>
+          </a:prstGeom>
+        </p:spPr>
+        <p:txBody>
+          <a:bodyPr wrap="none" lIns="0" tIns="0" rIns="0" bIns="0" rtlCol="0" anchor="t" anchorCtr="0">
+            <a:spAutoFit/>
+          </a:bodyPr>
+          <a:lstStyle/>
+          <a:p>
+            <a:r>
+              <a:rPr lang="en-US" sz="3200" b="1" dirty="0">
+                <a:solidFill>
+                  <a:schemeClr val="bg1"/>
+                </a:solidFill>
+                <a:latin typeface="Arial" panose="020B0604020202020204" pitchFamily="34" charset="0"/>
+                <a:cs typeface="Arial" panose="020B0604020202020204" pitchFamily="34" charset="0"/>
+              </a:rPr>
+              <a:t>Silver </a:t>
+            </a:r>
+            <a:r>
+              <a:rPr lang="en-US" sz="3200" b="1" dirty="0">
+                <a:solidFill>
+                  <a:schemeClr val="tx2">
+                    <a:lumMod val="50000"/>
+                  </a:schemeClr>
+                </a:solidFill>
+                <a:latin typeface="Arial" panose="020B0604020202020204" pitchFamily="34" charset="0"/>
+                <a:cs typeface="Arial" panose="020B0604020202020204" pitchFamily="34" charset="0"/>
+              </a:rPr>
+              <a:t>Sponsor</a:t>
+            </a:r>
+          </a:p>
+        </p:txBody>
+      </p:sp>
+      <p:cxnSp>
+        <p:nvCxnSpPr>
+          <p:cNvPr id="10" name="Straight Connector 33">
+            <a:extLst>
+              <a:ext uri="{FF2B5EF4-FFF2-40B4-BE49-F238E27FC236}">
+                <a16:creationId xmlns:a16="http://schemas.microsoft.com/office/drawing/2014/main" id="{FE4B657F-EF36-1159-57D3-D2E227008A85}"/>
+              </a:ext>
+            </a:extLst>
+          </p:cNvPr>
+          <p:cNvCxnSpPr>
+            <a:cxnSpLocks/>
+          </p:cNvCxnSpPr>
+          <p:nvPr userDrawn="1"/>
+        </p:nvCxnSpPr>
+        <p:spPr>
+          <a:xfrm>
+            <a:off x="4008120" y="5476721"/>
+            <a:ext cx="1620069" cy="12366"/>
+          </a:xfrm>
+          <a:prstGeom prst="line">
+            <a:avLst/>
+          </a:prstGeom>
+          <a:ln w="38100"/>
+        </p:spPr>
+        <p:style>
+          <a:lnRef idx="1">
+            <a:schemeClr val="accent1"/>
+          </a:lnRef>
+          <a:fillRef idx="0">
+            <a:schemeClr val="accent1"/>
+          </a:fillRef>
+          <a:effectRef idx="0">
+            <a:schemeClr val="accent1"/>
+          </a:effectRef>
+          <a:fontRef idx="minor">
+            <a:schemeClr val="tx1"/>
+          </a:fontRef>
+        </p:style>
+      </p:cxnSp>
+      <p:pic>
+        <p:nvPicPr>
+          <p:cNvPr id="1028" name="Picture 4" descr="Microsoft">
+            <a:extLst>
+              <a:ext uri="{FF2B5EF4-FFF2-40B4-BE49-F238E27FC236}">
+                <a16:creationId xmlns:a16="http://schemas.microsoft.com/office/drawing/2014/main" id="{99C333D0-B448-4944-5A7D-A68C9836D410}"/>
+              </a:ext>
+            </a:extLst>
+          </p:cNvPr>
+          <p:cNvPicPr>
+            <a:picLocks noChangeAspect="1" noChangeArrowheads="1"/>
+          </p:cNvPicPr>
+          <p:nvPr userDrawn="1"/>
+        </p:nvPicPr>
+        <p:blipFill rotWithShape="1">
+          <a:blip r:embed="rId12">
+            <a:extLst>
+              <a:ext uri="{28A0092B-C50C-407E-A947-70E740481C1C}">
+                <a14:useLocalDpi xmlns:a14="http://schemas.microsoft.com/office/drawing/2010/main" val="0"/>
+              </a:ext>
+            </a:extLst>
+          </a:blip>
+          <a:srcRect t="24011" b="25593"/>
+          <a:stretch/>
+        </p:blipFill>
+        <p:spPr bwMode="auto">
+          <a:xfrm>
+            <a:off x="4329828" y="1011037"/>
+            <a:ext cx="3634008" cy="915694"/>
+          </a:xfrm>
+          <a:prstGeom prst="rect">
+            <a:avLst/>
+          </a:prstGeom>
+          <a:noFill/>
+          <a:extLst>
+            <a:ext uri="{909E8E84-426E-40DD-AFC4-6F175D3DCCD1}">
+              <a14:hiddenFill xmlns:a14="http://schemas.microsoft.com/office/drawing/2010/main">
+                <a:solidFill>
+                  <a:srgbClr val="FFFFFF"/>
+                </a:solidFill>
+              </a14:hiddenFill>
+            </a:ext>
+          </a:extLst>
         </p:spPr>
       </p:pic>
       <p:pic>
         <p:nvPicPr>
-          <p:cNvPr id="15" name="Picture 14" descr="A logo with blue and black text&#10;&#10;Description automatically generated">
-            <a:extLst>
-              <a:ext uri="{FF2B5EF4-FFF2-40B4-BE49-F238E27FC236}">
-                <a16:creationId xmlns:a16="http://schemas.microsoft.com/office/drawing/2014/main" id="{A0568014-7E98-BC55-B4B5-F24623CCDE81}"/>
+          <p:cNvPr id="1030" name="Picture 6" descr="Porini">
+            <a:extLst>
+              <a:ext uri="{FF2B5EF4-FFF2-40B4-BE49-F238E27FC236}">
+                <a16:creationId xmlns:a16="http://schemas.microsoft.com/office/drawing/2014/main" id="{27DB63F1-E41F-004E-7830-8DC6A271E9F3}"/>
               </a:ext>
             </a:extLst>
           </p:cNvPr>
           <p:cNvPicPr>
-            <a:picLocks noChangeAspect="1"/>
+            <a:picLocks noChangeAspect="1" noChangeArrowheads="1"/>
           </p:cNvPicPr>
           <p:nvPr userDrawn="1"/>
         </p:nvPicPr>
-        <p:blipFill>
-          <a:blip r:embed="rId12">
-            <a:alphaModFix/>
+        <p:blipFill rotWithShape="1">
+          <a:blip r:embed="rId13">
             <a:extLst>
               <a:ext uri="{28A0092B-C50C-407E-A947-70E740481C1C}">
                 <a14:useLocalDpi xmlns:a14="http://schemas.microsoft.com/office/drawing/2010/main" val="0"/>
               </a:ext>
             </a:extLst>
           </a:blip>
-          <a:stretch>
-            <a:fillRect/>
-          </a:stretch>
+          <a:srcRect l="5385" t="24975" b="26842"/>
+          <a:stretch/>
         </p:blipFill>
-        <p:spPr>
-          <a:xfrm>
-            <a:off x="6984907" y="3935429"/>
-            <a:ext cx="2673193" cy="1336597"/>
+        <p:spPr bwMode="auto">
+          <a:xfrm>
+            <a:off x="7963836" y="2175857"/>
+            <a:ext cx="3865313" cy="984209"/>
           </a:xfrm>
           <a:prstGeom prst="rect">
             <a:avLst/>
           </a:prstGeom>
+          <a:noFill/>
+          <a:extLst>
+            <a:ext uri="{909E8E84-426E-40DD-AFC4-6F175D3DCCD1}">
+              <a14:hiddenFill xmlns:a14="http://schemas.microsoft.com/office/drawing/2010/main">
+                <a:solidFill>
+                  <a:srgbClr val="FFFFFF"/>
+                </a:solidFill>
+              </a14:hiddenFill>
+            </a:ext>
+          </a:extLst>
         </p:spPr>
       </p:pic>
       <p:pic>
         <p:nvPicPr>
-          <p:cNvPr id="2" name="Picture 1" descr="A brown horse with orange text&#10;&#10;Description automatically generated">
-            <a:extLst>
-              <a:ext uri="{FF2B5EF4-FFF2-40B4-BE49-F238E27FC236}">
-                <a16:creationId xmlns:a16="http://schemas.microsoft.com/office/drawing/2014/main" id="{C3D43647-2D62-8987-C783-8E7031A52EDA}"/>
+          <p:cNvPr id="24" name="Picture 2" descr="Avanade">
+            <a:extLst>
+              <a:ext uri="{FF2B5EF4-FFF2-40B4-BE49-F238E27FC236}">
+                <a16:creationId xmlns:a16="http://schemas.microsoft.com/office/drawing/2014/main" id="{1637A982-1DC5-D0AB-C118-DBF472E2406E}"/>
               </a:ext>
             </a:extLst>
           </p:cNvPr>
           <p:cNvPicPr>
-            <a:picLocks noChangeAspect="1"/>
+            <a:picLocks noChangeAspect="1" noChangeArrowheads="1"/>
           </p:cNvPicPr>
           <p:nvPr userDrawn="1"/>
         </p:nvPicPr>
-        <p:blipFill>
-          <a:blip r:embed="rId13">
+        <p:blipFill rotWithShape="1">
+          <a:blip r:embed="rId14">
             <a:extLst>
               <a:ext uri="{28A0092B-C50C-407E-A947-70E740481C1C}">
                 <a14:useLocalDpi xmlns:a14="http://schemas.microsoft.com/office/drawing/2010/main" val="0"/>
               </a:ext>
             </a:extLst>
           </a:blip>
-          <a:stretch>
-            <a:fillRect/>
-          </a:stretch>
+          <a:srcRect t="15674" b="22017"/>
+          <a:stretch/>
         </p:blipFill>
-        <p:spPr>
-          <a:xfrm>
-            <a:off x="7453109" y="5813836"/>
-            <a:ext cx="1216385" cy="708443"/>
+        <p:spPr bwMode="auto">
+          <a:xfrm>
+            <a:off x="379200" y="2083911"/>
+            <a:ext cx="3772279" cy="1175214"/>
           </a:xfrm>
           <a:prstGeom prst="rect">
             <a:avLst/>
           </a:prstGeom>
+          <a:noFill/>
+          <a:extLst>
+            <a:ext uri="{909E8E84-426E-40DD-AFC4-6F175D3DCCD1}">
+              <a14:hiddenFill xmlns:a14="http://schemas.microsoft.com/office/drawing/2010/main">
+                <a:solidFill>
+                  <a:srgbClr val="FFFFFF"/>
+                </a:solidFill>
+              </a14:hiddenFill>
+            </a:ext>
+          </a:extLst>
         </p:spPr>
       </p:pic>
     </p:spTree>
@@ -7248,6 +7482,21 @@
 </file>
 
 <file path=customXml/item1.xml><?xml version="1.0" encoding="utf-8"?>
+<?mso-contentType ?>
+<FormTemplates xmlns="http://schemas.microsoft.com/sharepoint/v3/contenttype/forms">
+  <Display>DocumentLibraryForm</Display>
+  <Edit>DocumentLibraryForm</Edit>
+  <New>DocumentLibraryForm</New>
+</FormTemplates>
+</file>
+
+<file path=customXml/item2.xml><?xml version="1.0" encoding="utf-8"?>
+<p:properties xmlns:p="http://schemas.microsoft.com/office/2006/metadata/properties" xmlns:xsi="http://www.w3.org/2001/XMLSchema-instance" xmlns:pc="http://schemas.microsoft.com/office/infopath/2007/PartnerControls">
+  <documentManagement/>
+</p:properties>
+</file>
+
+<file path=customXml/item3.xml><?xml version="1.0" encoding="utf-8"?>
 <ct:contentTypeSchema xmlns:ct="http://schemas.microsoft.com/office/2006/metadata/contentType" xmlns:ma="http://schemas.microsoft.com/office/2006/metadata/properties/metaAttributes" ct:_="" ma:_="" ma:contentTypeName="Document" ma:contentTypeID="0x010100570D7CADCFE5E348ACFAE3832C303840" ma:contentTypeVersion="2" ma:contentTypeDescription="Create a new document." ma:contentTypeScope="" ma:versionID="633b0979296f1ed1c69f243239c6b35f">
   <xsd:schema xmlns:xsd="http://www.w3.org/2001/XMLSchema" xmlns:xs="http://www.w3.org/2001/XMLSchema" xmlns:p="http://schemas.microsoft.com/office/2006/metadata/properties" xmlns:ns2="00e0c6ab-2e1e-446e-8cd4-dc4d1cc239d2" targetNamespace="http://schemas.microsoft.com/office/2006/metadata/properties" ma:root="true" ma:fieldsID="2fb82ef2dbc616c6e96786f58783f5ba" ns2:_="">
     <xsd:import namespace="00e0c6ab-2e1e-446e-8cd4-dc4d1cc239d2"/>
@@ -7379,35 +7628,10 @@
 </ct:contentTypeSchema>
 </file>
 
-<file path=customXml/item2.xml><?xml version="1.0" encoding="utf-8"?>
-<p:properties xmlns:p="http://schemas.microsoft.com/office/2006/metadata/properties" xmlns:xsi="http://www.w3.org/2001/XMLSchema-instance" xmlns:pc="http://schemas.microsoft.com/office/infopath/2007/PartnerControls">
-  <documentManagement/>
-</p:properties>
-</file>
-
-<file path=customXml/item3.xml><?xml version="1.0" encoding="utf-8"?>
-<?mso-contentType ?>
-<FormTemplates xmlns="http://schemas.microsoft.com/sharepoint/v3/contenttype/forms">
-  <Display>DocumentLibraryForm</Display>
-  <Edit>DocumentLibraryForm</Edit>
-  <New>DocumentLibraryForm</New>
-</FormTemplates>
-</file>
-
 <file path=customXml/itemProps1.xml><?xml version="1.0" encoding="utf-8"?>
-<ds:datastoreItem xmlns:ds="http://schemas.openxmlformats.org/officeDocument/2006/customXml" ds:itemID="{7217DFBD-4751-428F-B38C-3EB5F02CAA3A}">
+<ds:datastoreItem xmlns:ds="http://schemas.openxmlformats.org/officeDocument/2006/customXml" ds:itemID="{285C8949-12A8-4D3A-8B80-D82110DA804F}">
   <ds:schemaRefs>
-    <ds:schemaRef ds:uri="http://schemas.microsoft.com/office/2006/metadata/contentType"/>
-    <ds:schemaRef ds:uri="http://schemas.microsoft.com/office/2006/metadata/properties/metaAttributes"/>
-    <ds:schemaRef ds:uri="http://www.w3.org/2001/XMLSchema"/>
-    <ds:schemaRef ds:uri="http://schemas.microsoft.com/office/2006/metadata/properties"/>
-    <ds:schemaRef ds:uri="00e0c6ab-2e1e-446e-8cd4-dc4d1cc239d2"/>
-    <ds:schemaRef ds:uri="http://schemas.microsoft.com/office/2006/documentManagement/types"/>
-    <ds:schemaRef ds:uri="http://schemas.microsoft.com/office/infopath/2007/PartnerControls"/>
-    <ds:schemaRef ds:uri="http://schemas.openxmlformats.org/package/2006/metadata/core-properties"/>
-    <ds:schemaRef ds:uri="http://purl.org/dc/elements/1.1/"/>
-    <ds:schemaRef ds:uri="http://purl.org/dc/terms/"/>
-    <ds:schemaRef ds:uri="http://schemas.microsoft.com/internal/obd"/>
+    <ds:schemaRef ds:uri="http://schemas.microsoft.com/sharepoint/v3/contenttype/forms"/>
   </ds:schemaRefs>
 </ds:datastoreItem>
 </file>
@@ -7429,9 +7653,25 @@
 </file>
 
 <file path=customXml/itemProps3.xml><?xml version="1.0" encoding="utf-8"?>
-<ds:datastoreItem xmlns:ds="http://schemas.openxmlformats.org/officeDocument/2006/customXml" ds:itemID="{285C8949-12A8-4D3A-8B80-D82110DA804F}">
+<ds:datastoreItem xmlns:ds="http://schemas.openxmlformats.org/officeDocument/2006/customXml" ds:itemID="{7217DFBD-4751-428F-B38C-3EB5F02CAA3A}">
   <ds:schemaRefs>
-    <ds:schemaRef ds:uri="http://schemas.microsoft.com/sharepoint/v3/contenttype/forms"/>
+    <ds:schemaRef ds:uri="http://schemas.microsoft.com/office/2006/metadata/contentType"/>
+    <ds:schemaRef ds:uri="http://schemas.microsoft.com/office/2006/metadata/properties/metaAttributes"/>
+    <ds:schemaRef ds:uri="http://www.w3.org/2001/XMLSchema"/>
+    <ds:schemaRef ds:uri="http://schemas.microsoft.com/office/2006/metadata/properties"/>
+    <ds:schemaRef ds:uri="00e0c6ab-2e1e-446e-8cd4-dc4d1cc239d2"/>
+    <ds:schemaRef ds:uri="http://schemas.microsoft.com/office/2006/documentManagement/types"/>
+    <ds:schemaRef ds:uri="http://schemas.microsoft.com/office/infopath/2007/PartnerControls"/>
+    <ds:schemaRef ds:uri="http://schemas.openxmlformats.org/package/2006/metadata/core-properties"/>
+    <ds:schemaRef ds:uri="http://purl.org/dc/elements/1.1/"/>
+    <ds:schemaRef ds:uri="http://purl.org/dc/terms/"/>
+    <ds:schemaRef ds:uri="http://schemas.microsoft.com/internal/obd"/>
   </ds:schemaRefs>
 </ds:datastoreItem>
+</file>
+
+<file path=docMetadata/LabelInfo.xml><?xml version="1.0" encoding="utf-8"?>
+<clbl:labelList xmlns:clbl="http://schemas.microsoft.com/office/2020/mipLabelMetadata">
+  <clbl:label id="{87867195-f2b8-4ac2-b0b6-6bb73cb33afc}" enabled="1" method="Privileged" siteId="{72f988bf-86f1-41af-91ab-2d7cd011db47}" removed="0"/>
+</clbl:labelList>
 </file>